--- a/PPT/機器人動起來 day1.pptx
+++ b/PPT/機器人動起來 day1.pptx
@@ -5,7 +5,7 @@
     <p:sldMasterId id="2147483678" r:id="rId1"/>
   </p:sldMasterIdLst>
   <p:notesMasterIdLst>
-    <p:notesMasterId r:id="rId18"/>
+    <p:notesMasterId r:id="rId20"/>
   </p:notesMasterIdLst>
   <p:sldIdLst>
     <p:sldId id="256" r:id="rId2"/>
@@ -17,13 +17,15 @@
     <p:sldId id="297" r:id="rId8"/>
     <p:sldId id="294" r:id="rId9"/>
     <p:sldId id="259" r:id="rId10"/>
-    <p:sldId id="273" r:id="rId11"/>
-    <p:sldId id="270" r:id="rId12"/>
-    <p:sldId id="274" r:id="rId13"/>
-    <p:sldId id="272" r:id="rId14"/>
-    <p:sldId id="271" r:id="rId15"/>
-    <p:sldId id="299" r:id="rId16"/>
-    <p:sldId id="362" r:id="rId17"/>
+    <p:sldId id="363" r:id="rId11"/>
+    <p:sldId id="364" r:id="rId12"/>
+    <p:sldId id="365" r:id="rId13"/>
+    <p:sldId id="366" r:id="rId14"/>
+    <p:sldId id="369" r:id="rId15"/>
+    <p:sldId id="367" r:id="rId16"/>
+    <p:sldId id="275" r:id="rId17"/>
+    <p:sldId id="368" r:id="rId18"/>
+    <p:sldId id="362" r:id="rId19"/>
   </p:sldIdLst>
   <p:sldSz cx="12192000" cy="6858000"/>
   <p:notesSz cx="6858000" cy="9144000"/>
@@ -3469,7 +3471,7 @@
   <dgm:whole/>
   <dgm:extLst>
     <a:ext uri="http://schemas.microsoft.com/office/drawing/2008/diagram">
-      <dsp:dataModelExt xmlns:dsp="http://schemas.microsoft.com/office/drawing/2008/diagram" relId="rId12" minVer="http://schemas.openxmlformats.org/drawingml/2006/diagram"/>
+      <dsp:dataModelExt xmlns:dsp="http://schemas.microsoft.com/office/drawing/2008/diagram" relId="rId11" minVer="http://schemas.openxmlformats.org/drawingml/2006/diagram"/>
     </a:ext>
   </dgm:extLst>
 </dgm:dataModel>
@@ -9002,7 +9004,7 @@
           <a:p>
             <a:fld id="{F193C4BA-8DD1-4203-89FE-CCF2348BDE75}" type="datetimeFigureOut">
               <a:rPr lang="zh-TW" altLang="en-US" smtClean="0"/>
-              <a:t>2023/1/25</a:t>
+              <a:t>2023/2/1</a:t>
             </a:fld>
             <a:endParaRPr lang="zh-TW" altLang="en-US"/>
           </a:p>
@@ -9353,6 +9355,90 @@
 </p:notes>
 </file>
 
+<file path=ppt/notesSlides/notesSlide10.xml><?xml version="1.0" encoding="utf-8"?>
+<p:notes xmlns:a="http://schemas.openxmlformats.org/drawingml/2006/main" xmlns:r="http://schemas.openxmlformats.org/officeDocument/2006/relationships" xmlns:p="http://schemas.openxmlformats.org/presentationml/2006/main">
+  <p:cSld>
+    <p:spTree>
+      <p:nvGrpSpPr>
+        <p:cNvPr id="1" name=""/>
+        <p:cNvGrpSpPr/>
+        <p:nvPr/>
+      </p:nvGrpSpPr>
+      <p:grpSpPr>
+        <a:xfrm>
+          <a:off x="0" y="0"/>
+          <a:ext cx="0" cy="0"/>
+          <a:chOff x="0" y="0"/>
+          <a:chExt cx="0" cy="0"/>
+        </a:xfrm>
+      </p:grpSpPr>
+      <p:sp>
+        <p:nvSpPr>
+          <p:cNvPr id="2" name="投影片影像版面配置區 1"/>
+          <p:cNvSpPr>
+            <a:spLocks noGrp="1" noRot="1" noChangeAspect="1"/>
+          </p:cNvSpPr>
+          <p:nvPr>
+            <p:ph type="sldImg"/>
+          </p:nvPr>
+        </p:nvSpPr>
+        <p:spPr/>
+      </p:sp>
+      <p:sp>
+        <p:nvSpPr>
+          <p:cNvPr id="3" name="備忘稿版面配置區 2"/>
+          <p:cNvSpPr>
+            <a:spLocks noGrp="1"/>
+          </p:cNvSpPr>
+          <p:nvPr>
+            <p:ph type="body" idx="1"/>
+          </p:nvPr>
+        </p:nvSpPr>
+        <p:spPr/>
+        <p:txBody>
+          <a:bodyPr/>
+          <a:lstStyle/>
+          <a:p>
+            <a:endParaRPr lang="zh-TW" altLang="en-US" dirty="0"/>
+          </a:p>
+        </p:txBody>
+      </p:sp>
+      <p:sp>
+        <p:nvSpPr>
+          <p:cNvPr id="4" name="投影片編號版面配置區 3"/>
+          <p:cNvSpPr>
+            <a:spLocks noGrp="1"/>
+          </p:cNvSpPr>
+          <p:nvPr>
+            <p:ph type="sldNum" sz="quarter" idx="5"/>
+          </p:nvPr>
+        </p:nvSpPr>
+        <p:spPr/>
+        <p:txBody>
+          <a:bodyPr/>
+          <a:lstStyle/>
+          <a:p>
+            <a:fld id="{3ABC29A3-9B47-4A73-BDC2-B335115DFECA}" type="slidenum">
+              <a:rPr lang="zh-TW" altLang="en-US" smtClean="0"/>
+              <a:t>18</a:t>
+            </a:fld>
+            <a:endParaRPr lang="zh-TW" altLang="en-US"/>
+          </a:p>
+        </p:txBody>
+      </p:sp>
+    </p:spTree>
+    <p:extLst>
+      <p:ext uri="{BB962C8B-B14F-4D97-AF65-F5344CB8AC3E}">
+        <p14:creationId xmlns:p14="http://schemas.microsoft.com/office/powerpoint/2010/main" val="4096359410"/>
+      </p:ext>
+    </p:extLst>
+  </p:cSld>
+  <p:clrMapOvr>
+    <a:masterClrMapping/>
+  </p:clrMapOvr>
+</p:notes>
+</file>
+
 <file path=ppt/notesSlides/notesSlide2.xml><?xml version="1.0" encoding="utf-8"?>
 <p:notes xmlns:a="http://schemas.openxmlformats.org/drawingml/2006/main" xmlns:r="http://schemas.openxmlformats.org/officeDocument/2006/relationships" xmlns:p="http://schemas.openxmlformats.org/presentationml/2006/main">
   <p:cSld>
@@ -9397,67 +9483,7 @@
           <a:bodyPr/>
           <a:lstStyle/>
           <a:p>
-            <a:pPr marL="0" marR="0" lvl="0" indent="0" algn="l" defTabSz="914400" rtl="0" eaLnBrk="1" fontAlgn="auto" latinLnBrk="0" hangingPunct="1">
-              <a:lnSpc>
-                <a:spcPct val="100000"/>
-              </a:lnSpc>
-              <a:spcBef>
-                <a:spcPts val="0"/>
-              </a:spcBef>
-              <a:spcAft>
-                <a:spcPts val="0"/>
-              </a:spcAft>
-              <a:buClrTx/>
-              <a:buSzTx/>
-              <a:buFontTx/>
-              <a:buNone/>
-              <a:tabLst/>
-              <a:defRPr/>
-            </a:pPr>
-            <a:r>
-              <a:rPr lang="zh-TW" altLang="en-US" dirty="0"/>
-              <a:t>檢查所有零件 要有一條線和</a:t>
-            </a:r>
-            <a:r>
-              <a:rPr lang="en-US" altLang="zh-TW" dirty="0"/>
-              <a:t>BOT </a:t>
-            </a:r>
-            <a:r>
-              <a:rPr lang="zh-TW" altLang="en-US" dirty="0"/>
-              <a:t>確定</a:t>
-            </a:r>
-            <a:r>
-              <a:rPr lang="en-US" altLang="zh-TW" dirty="0"/>
-              <a:t>BOT</a:t>
-            </a:r>
-            <a:r>
-              <a:rPr lang="zh-TW" altLang="en-US" dirty="0"/>
-              <a:t>有電 有無壞損 上機測試</a:t>
-            </a:r>
-            <a:endParaRPr lang="en-US" altLang="zh-TW" dirty="0"/>
-          </a:p>
-          <a:p>
-            <a:pPr marL="0" marR="0" lvl="0" indent="0" algn="l" defTabSz="914400" rtl="0" eaLnBrk="1" fontAlgn="auto" latinLnBrk="0" hangingPunct="1">
-              <a:lnSpc>
-                <a:spcPct val="100000"/>
-              </a:lnSpc>
-              <a:spcBef>
-                <a:spcPts val="0"/>
-              </a:spcBef>
-              <a:spcAft>
-                <a:spcPts val="0"/>
-              </a:spcAft>
-              <a:buClrTx/>
-              <a:buSzTx/>
-              <a:buFontTx/>
-              <a:buNone/>
-              <a:tabLst/>
-              <a:defRPr/>
-            </a:pPr>
-            <a:r>
-              <a:rPr lang="zh-TW" altLang="en-US" dirty="0"/>
-              <a:t>有多的是備用，有少要和隊輔講</a:t>
-            </a:r>
+            <a:endParaRPr lang="zh-TW" altLang="en-US" dirty="0"/>
           </a:p>
         </p:txBody>
       </p:sp>
@@ -9478,7 +9504,7 @@
           <a:p>
             <a:fld id="{3ABC29A3-9B47-4A73-BDC2-B335115DFECA}" type="slidenum">
               <a:rPr lang="zh-TW" altLang="en-US" smtClean="0"/>
-              <a:t>4</a:t>
+              <a:t>3</a:t>
             </a:fld>
             <a:endParaRPr lang="zh-TW" altLang="en-US"/>
           </a:p>
@@ -9487,7 +9513,7 @@
     </p:spTree>
     <p:extLst>
       <p:ext uri="{BB962C8B-B14F-4D97-AF65-F5344CB8AC3E}">
-        <p14:creationId xmlns:p14="http://schemas.microsoft.com/office/powerpoint/2010/main" val="1829651804"/>
+        <p14:creationId xmlns:p14="http://schemas.microsoft.com/office/powerpoint/2010/main" val="3022606314"/>
       </p:ext>
     </p:extLst>
   </p:cSld>
@@ -9558,26 +9584,7 @@
               <a:tabLst/>
               <a:defRPr/>
             </a:pPr>
-            <a:r>
-              <a:rPr lang="zh-TW" altLang="en-US" dirty="0"/>
-              <a:t>檢查所有零件 要有一條線和</a:t>
-            </a:r>
-            <a:r>
-              <a:rPr lang="en-US" altLang="zh-TW" dirty="0"/>
-              <a:t>BOT </a:t>
-            </a:r>
-            <a:r>
-              <a:rPr lang="zh-TW" altLang="en-US" dirty="0"/>
-              <a:t>確定</a:t>
-            </a:r>
-            <a:r>
-              <a:rPr lang="en-US" altLang="zh-TW" dirty="0"/>
-              <a:t>BOT</a:t>
-            </a:r>
-            <a:r>
-              <a:rPr lang="zh-TW" altLang="en-US" dirty="0"/>
-              <a:t>有電 有無壞損 上機測試</a:t>
-            </a:r>
+            <a:endParaRPr lang="zh-TW" altLang="en-US" dirty="0"/>
           </a:p>
         </p:txBody>
       </p:sp>
@@ -9598,7 +9605,7 @@
           <a:p>
             <a:fld id="{3ABC29A3-9B47-4A73-BDC2-B335115DFECA}" type="slidenum">
               <a:rPr lang="zh-TW" altLang="en-US" smtClean="0"/>
-              <a:t>5</a:t>
+              <a:t>4</a:t>
             </a:fld>
             <a:endParaRPr lang="zh-TW" altLang="en-US"/>
           </a:p>
@@ -9607,7 +9614,7 @@
     </p:spTree>
     <p:extLst>
       <p:ext uri="{BB962C8B-B14F-4D97-AF65-F5344CB8AC3E}">
-        <p14:creationId xmlns:p14="http://schemas.microsoft.com/office/powerpoint/2010/main" val="2350823917"/>
+        <p14:creationId xmlns:p14="http://schemas.microsoft.com/office/powerpoint/2010/main" val="1829651804"/>
       </p:ext>
     </p:extLst>
   </p:cSld>
@@ -9678,26 +9685,7 @@
               <a:tabLst/>
               <a:defRPr/>
             </a:pPr>
-            <a:r>
-              <a:rPr lang="zh-TW" altLang="en-US" dirty="0"/>
-              <a:t>檢查所有零件 要有一條線和</a:t>
-            </a:r>
-            <a:r>
-              <a:rPr lang="en-US" altLang="zh-TW" dirty="0"/>
-              <a:t>BOT </a:t>
-            </a:r>
-            <a:r>
-              <a:rPr lang="zh-TW" altLang="en-US" dirty="0"/>
-              <a:t>確定</a:t>
-            </a:r>
-            <a:r>
-              <a:rPr lang="en-US" altLang="zh-TW" dirty="0"/>
-              <a:t>BOT</a:t>
-            </a:r>
-            <a:r>
-              <a:rPr lang="zh-TW" altLang="en-US" dirty="0"/>
-              <a:t>有電 有無壞損 上機測試</a:t>
-            </a:r>
+            <a:endParaRPr lang="zh-TW" altLang="en-US" dirty="0"/>
           </a:p>
         </p:txBody>
       </p:sp>
@@ -9718,7 +9706,7 @@
           <a:p>
             <a:fld id="{3ABC29A3-9B47-4A73-BDC2-B335115DFECA}" type="slidenum">
               <a:rPr lang="zh-TW" altLang="en-US" smtClean="0"/>
-              <a:t>6</a:t>
+              <a:t>5</a:t>
             </a:fld>
             <a:endParaRPr lang="zh-TW" altLang="en-US"/>
           </a:p>
@@ -9727,7 +9715,7 @@
     </p:spTree>
     <p:extLst>
       <p:ext uri="{BB962C8B-B14F-4D97-AF65-F5344CB8AC3E}">
-        <p14:creationId xmlns:p14="http://schemas.microsoft.com/office/powerpoint/2010/main" val="3226795161"/>
+        <p14:creationId xmlns:p14="http://schemas.microsoft.com/office/powerpoint/2010/main" val="2350823917"/>
       </p:ext>
     </p:extLst>
   </p:cSld>
@@ -9798,38 +9786,6 @@
               <a:tabLst/>
               <a:defRPr/>
             </a:pPr>
-            <a:r>
-              <a:rPr lang="zh-TW" altLang="en-US" dirty="0"/>
-              <a:t>檢查所有零件 要有一條線和</a:t>
-            </a:r>
-            <a:r>
-              <a:rPr lang="en-US" altLang="zh-TW" dirty="0"/>
-              <a:t>BOT </a:t>
-            </a:r>
-            <a:r>
-              <a:rPr lang="zh-TW" altLang="en-US" dirty="0"/>
-              <a:t>確定</a:t>
-            </a:r>
-            <a:r>
-              <a:rPr lang="en-US" altLang="zh-TW" dirty="0"/>
-              <a:t>BOT</a:t>
-            </a:r>
-            <a:r>
-              <a:rPr lang="zh-TW" altLang="en-US" dirty="0"/>
-              <a:t>有電 有無壞損 上機測試 左</a:t>
-            </a:r>
-            <a:r>
-              <a:rPr lang="en-US" altLang="zh-TW" dirty="0"/>
-              <a:t>M1 </a:t>
-            </a:r>
-            <a:r>
-              <a:rPr lang="zh-TW" altLang="en-US" dirty="0"/>
-              <a:t>右</a:t>
-            </a:r>
-            <a:r>
-              <a:rPr lang="en-US" altLang="zh-TW" dirty="0"/>
-              <a:t>M2</a:t>
-            </a:r>
             <a:endParaRPr lang="zh-TW" altLang="en-US" dirty="0"/>
           </a:p>
         </p:txBody>
@@ -9851,7 +9807,7 @@
           <a:p>
             <a:fld id="{3ABC29A3-9B47-4A73-BDC2-B335115DFECA}" type="slidenum">
               <a:rPr lang="zh-TW" altLang="en-US" smtClean="0"/>
-              <a:t>7</a:t>
+              <a:t>6</a:t>
             </a:fld>
             <a:endParaRPr lang="zh-TW" altLang="en-US"/>
           </a:p>
@@ -9860,7 +9816,7 @@
     </p:spTree>
     <p:extLst>
       <p:ext uri="{BB962C8B-B14F-4D97-AF65-F5344CB8AC3E}">
-        <p14:creationId xmlns:p14="http://schemas.microsoft.com/office/powerpoint/2010/main" val="3709361420"/>
+        <p14:creationId xmlns:p14="http://schemas.microsoft.com/office/powerpoint/2010/main" val="3226795161"/>
       </p:ext>
     </p:extLst>
   </p:cSld>
@@ -9931,26 +9887,7 @@
               <a:tabLst/>
               <a:defRPr/>
             </a:pPr>
-            <a:r>
-              <a:rPr lang="zh-TW" altLang="en-US" dirty="0"/>
-              <a:t>檢查所有零件 要有一條線和</a:t>
-            </a:r>
-            <a:r>
-              <a:rPr lang="en-US" altLang="zh-TW" dirty="0"/>
-              <a:t>BOT </a:t>
-            </a:r>
-            <a:r>
-              <a:rPr lang="zh-TW" altLang="en-US" dirty="0"/>
-              <a:t>確定</a:t>
-            </a:r>
-            <a:r>
-              <a:rPr lang="en-US" altLang="zh-TW" dirty="0"/>
-              <a:t>BOT</a:t>
-            </a:r>
-            <a:r>
-              <a:rPr lang="zh-TW" altLang="en-US" dirty="0"/>
-              <a:t>有電 有無壞損 上機測試</a:t>
-            </a:r>
+            <a:endParaRPr lang="zh-TW" altLang="en-US" dirty="0"/>
           </a:p>
         </p:txBody>
       </p:sp>
@@ -9971,7 +9908,7 @@
           <a:p>
             <a:fld id="{3ABC29A3-9B47-4A73-BDC2-B335115DFECA}" type="slidenum">
               <a:rPr lang="zh-TW" altLang="en-US" smtClean="0"/>
-              <a:t>8</a:t>
+              <a:t>7</a:t>
             </a:fld>
             <a:endParaRPr lang="zh-TW" altLang="en-US"/>
           </a:p>
@@ -9980,7 +9917,7 @@
     </p:spTree>
     <p:extLst>
       <p:ext uri="{BB962C8B-B14F-4D97-AF65-F5344CB8AC3E}">
-        <p14:creationId xmlns:p14="http://schemas.microsoft.com/office/powerpoint/2010/main" val="609606605"/>
+        <p14:creationId xmlns:p14="http://schemas.microsoft.com/office/powerpoint/2010/main" val="3709361420"/>
       </p:ext>
     </p:extLst>
   </p:cSld>
@@ -10034,10 +9971,24 @@
           <a:bodyPr/>
           <a:lstStyle/>
           <a:p>
-            <a:r>
-              <a:rPr lang="zh-TW" altLang="en-US" dirty="0"/>
-              <a:t>正常上傳完要叫三聲</a:t>
-            </a:r>
+            <a:pPr marL="0" marR="0" lvl="0" indent="0" algn="l" defTabSz="914400" rtl="0" eaLnBrk="1" fontAlgn="auto" latinLnBrk="0" hangingPunct="1">
+              <a:lnSpc>
+                <a:spcPct val="100000"/>
+              </a:lnSpc>
+              <a:spcBef>
+                <a:spcPts val="0"/>
+              </a:spcBef>
+              <a:spcAft>
+                <a:spcPts val="0"/>
+              </a:spcAft>
+              <a:buClrTx/>
+              <a:buSzTx/>
+              <a:buFontTx/>
+              <a:buNone/>
+              <a:tabLst/>
+              <a:defRPr/>
+            </a:pPr>
+            <a:endParaRPr lang="en-US" altLang="zh-TW" dirty="0"/>
           </a:p>
         </p:txBody>
       </p:sp>
@@ -10058,7 +10009,175 @@
           <a:p>
             <a:fld id="{3ABC29A3-9B47-4A73-BDC2-B335115DFECA}" type="slidenum">
               <a:rPr lang="zh-TW" altLang="en-US" smtClean="0"/>
-              <a:t>15</a:t>
+              <a:t>8</a:t>
+            </a:fld>
+            <a:endParaRPr lang="zh-TW" altLang="en-US"/>
+          </a:p>
+        </p:txBody>
+      </p:sp>
+    </p:spTree>
+    <p:extLst>
+      <p:ext uri="{BB962C8B-B14F-4D97-AF65-F5344CB8AC3E}">
+        <p14:creationId xmlns:p14="http://schemas.microsoft.com/office/powerpoint/2010/main" val="609606605"/>
+      </p:ext>
+    </p:extLst>
+  </p:cSld>
+  <p:clrMapOvr>
+    <a:masterClrMapping/>
+  </p:clrMapOvr>
+</p:notes>
+</file>
+
+<file path=ppt/notesSlides/notesSlide8.xml><?xml version="1.0" encoding="utf-8"?>
+<p:notes xmlns:a="http://schemas.openxmlformats.org/drawingml/2006/main" xmlns:r="http://schemas.openxmlformats.org/officeDocument/2006/relationships" xmlns:p="http://schemas.openxmlformats.org/presentationml/2006/main">
+  <p:cSld>
+    <p:spTree>
+      <p:nvGrpSpPr>
+        <p:cNvPr id="1" name=""/>
+        <p:cNvGrpSpPr/>
+        <p:nvPr/>
+      </p:nvGrpSpPr>
+      <p:grpSpPr>
+        <a:xfrm>
+          <a:off x="0" y="0"/>
+          <a:ext cx="0" cy="0"/>
+          <a:chOff x="0" y="0"/>
+          <a:chExt cx="0" cy="0"/>
+        </a:xfrm>
+      </p:grpSpPr>
+      <p:sp>
+        <p:nvSpPr>
+          <p:cNvPr id="2" name="投影片影像版面配置區 1"/>
+          <p:cNvSpPr>
+            <a:spLocks noGrp="1" noRot="1" noChangeAspect="1"/>
+          </p:cNvSpPr>
+          <p:nvPr>
+            <p:ph type="sldImg"/>
+          </p:nvPr>
+        </p:nvSpPr>
+        <p:spPr/>
+      </p:sp>
+      <p:sp>
+        <p:nvSpPr>
+          <p:cNvPr id="3" name="備忘稿版面配置區 2"/>
+          <p:cNvSpPr>
+            <a:spLocks noGrp="1"/>
+          </p:cNvSpPr>
+          <p:nvPr>
+            <p:ph type="body" idx="1"/>
+          </p:nvPr>
+        </p:nvSpPr>
+        <p:spPr/>
+        <p:txBody>
+          <a:bodyPr/>
+          <a:lstStyle/>
+          <a:p>
+            <a:endParaRPr lang="zh-TW" altLang="en-US" dirty="0"/>
+          </a:p>
+        </p:txBody>
+      </p:sp>
+      <p:sp>
+        <p:nvSpPr>
+          <p:cNvPr id="4" name="投影片編號版面配置區 3"/>
+          <p:cNvSpPr>
+            <a:spLocks noGrp="1"/>
+          </p:cNvSpPr>
+          <p:nvPr>
+            <p:ph type="sldNum" sz="quarter" idx="5"/>
+          </p:nvPr>
+        </p:nvSpPr>
+        <p:spPr/>
+        <p:txBody>
+          <a:bodyPr/>
+          <a:lstStyle/>
+          <a:p>
+            <a:fld id="{3ABC29A3-9B47-4A73-BDC2-B335115DFECA}" type="slidenum">
+              <a:rPr lang="zh-TW" altLang="en-US" smtClean="0"/>
+              <a:t>10</a:t>
+            </a:fld>
+            <a:endParaRPr lang="zh-TW" altLang="en-US"/>
+          </a:p>
+        </p:txBody>
+      </p:sp>
+    </p:spTree>
+    <p:extLst>
+      <p:ext uri="{BB962C8B-B14F-4D97-AF65-F5344CB8AC3E}">
+        <p14:creationId xmlns:p14="http://schemas.microsoft.com/office/powerpoint/2010/main" val="2002043731"/>
+      </p:ext>
+    </p:extLst>
+  </p:cSld>
+  <p:clrMapOvr>
+    <a:masterClrMapping/>
+  </p:clrMapOvr>
+</p:notes>
+</file>
+
+<file path=ppt/notesSlides/notesSlide9.xml><?xml version="1.0" encoding="utf-8"?>
+<p:notes xmlns:a="http://schemas.openxmlformats.org/drawingml/2006/main" xmlns:r="http://schemas.openxmlformats.org/officeDocument/2006/relationships" xmlns:p="http://schemas.openxmlformats.org/presentationml/2006/main">
+  <p:cSld>
+    <p:spTree>
+      <p:nvGrpSpPr>
+        <p:cNvPr id="1" name=""/>
+        <p:cNvGrpSpPr/>
+        <p:nvPr/>
+      </p:nvGrpSpPr>
+      <p:grpSpPr>
+        <a:xfrm>
+          <a:off x="0" y="0"/>
+          <a:ext cx="0" cy="0"/>
+          <a:chOff x="0" y="0"/>
+          <a:chExt cx="0" cy="0"/>
+        </a:xfrm>
+      </p:grpSpPr>
+      <p:sp>
+        <p:nvSpPr>
+          <p:cNvPr id="2" name="投影片影像版面配置區 1"/>
+          <p:cNvSpPr>
+            <a:spLocks noGrp="1" noRot="1" noChangeAspect="1"/>
+          </p:cNvSpPr>
+          <p:nvPr>
+            <p:ph type="sldImg"/>
+          </p:nvPr>
+        </p:nvSpPr>
+        <p:spPr/>
+      </p:sp>
+      <p:sp>
+        <p:nvSpPr>
+          <p:cNvPr id="3" name="備忘稿版面配置區 2"/>
+          <p:cNvSpPr>
+            <a:spLocks noGrp="1"/>
+          </p:cNvSpPr>
+          <p:nvPr>
+            <p:ph type="body" idx="1"/>
+          </p:nvPr>
+        </p:nvSpPr>
+        <p:spPr/>
+        <p:txBody>
+          <a:bodyPr/>
+          <a:lstStyle/>
+          <a:p>
+            <a:endParaRPr lang="zh-TW" altLang="en-US" dirty="0"/>
+          </a:p>
+        </p:txBody>
+      </p:sp>
+      <p:sp>
+        <p:nvSpPr>
+          <p:cNvPr id="4" name="投影片編號版面配置區 3"/>
+          <p:cNvSpPr>
+            <a:spLocks noGrp="1"/>
+          </p:cNvSpPr>
+          <p:nvPr>
+            <p:ph type="sldNum" sz="quarter" idx="5"/>
+          </p:nvPr>
+        </p:nvSpPr>
+        <p:spPr/>
+        <p:txBody>
+          <a:bodyPr/>
+          <a:lstStyle/>
+          <a:p>
+            <a:fld id="{3ABC29A3-9B47-4A73-BDC2-B335115DFECA}" type="slidenum">
+              <a:rPr lang="zh-TW" altLang="en-US" smtClean="0"/>
+              <a:t>17</a:t>
             </a:fld>
             <a:endParaRPr lang="zh-TW" altLang="en-US"/>
           </a:p>
@@ -34893,15 +35012,15 @@
             </a:r>
             <a:r>
               <a:rPr lang="en-US" altLang="zh-TW" sz="3600" dirty="0" err="1"/>
-              <a:t>Mbot</a:t>
-            </a:r>
-            <a:r>
-              <a:rPr lang="zh-TW" altLang="en-US" sz="3600" dirty="0"/>
-              <a:t> ＆ </a:t>
+              <a:t>Makeblock</a:t>
             </a:r>
             <a:r>
               <a:rPr lang="en-US" altLang="zh-TW" sz="3600" dirty="0"/>
-              <a:t>Arduino IDE</a:t>
+              <a:t> </a:t>
+            </a:r>
+            <a:r>
+              <a:rPr lang="en-US" altLang="zh-TW" sz="3600" dirty="0" err="1"/>
+              <a:t>Mbot</a:t>
             </a:r>
             <a:endParaRPr lang="zh-TW" altLang="en-US" dirty="0"/>
           </a:p>
@@ -35312,24 +35431,24 @@
                 <a:latin typeface="微軟正黑體" panose="020B0604030504040204" pitchFamily="34" charset="-120"/>
                 <a:ea typeface="微軟正黑體" panose="020B0604030504040204" pitchFamily="34" charset="-120"/>
               </a:rPr>
-              <a:t>搜尋</a:t>
+              <a:t>搜尋 </a:t>
             </a:r>
             <a:r>
-              <a:rPr lang="en-US" altLang="zh-TW" sz="3200" dirty="0">
+              <a:rPr lang="en-US" altLang="zh-TW" sz="3200" b="1" u="sng" dirty="0">
                 <a:latin typeface="微軟正黑體" panose="020B0604030504040204" pitchFamily="34" charset="-120"/>
                 <a:ea typeface="微軟正黑體" panose="020B0604030504040204" pitchFamily="34" charset="-120"/>
               </a:rPr>
               <a:t>github.com/</a:t>
             </a:r>
             <a:r>
-              <a:rPr lang="en-US" altLang="zh-TW" sz="3200" dirty="0" err="1">
+              <a:rPr lang="en-US" altLang="zh-TW" sz="3200" b="1" u="sng" dirty="0" err="1">
                 <a:latin typeface="微軟正黑體" panose="020B0604030504040204" pitchFamily="34" charset="-120"/>
                 <a:ea typeface="微軟正黑體" panose="020B0604030504040204" pitchFamily="34" charset="-120"/>
               </a:rPr>
               <a:t>Harrysome</a:t>
             </a:r>
             <a:r>
-              <a:rPr lang="en-US" altLang="zh-TW" sz="3200" dirty="0">
+              <a:rPr lang="en-US" altLang="zh-TW" sz="3200" b="1" u="sng" dirty="0">
                 <a:latin typeface="微軟正黑體" panose="020B0604030504040204" pitchFamily="34" charset="-120"/>
                 <a:ea typeface="微軟正黑體" panose="020B0604030504040204" pitchFamily="34" charset="-120"/>
               </a:rPr>
@@ -35354,7 +35473,7 @@
                 <a:latin typeface="微軟正黑體" panose="020B0604030504040204" pitchFamily="34" charset="-120"/>
                 <a:ea typeface="微軟正黑體" panose="020B0604030504040204" pitchFamily="34" charset="-120"/>
               </a:rPr>
-              <a:t>的資料庫，全部下載並解壓縮</a:t>
+              <a:t>的資料庫，全部下載並解壓縮到桌面</a:t>
             </a:r>
             <a:endParaRPr lang="en-US" altLang="zh-TW" sz="3200" dirty="0">
               <a:latin typeface="微軟正黑體" panose="020B0604030504040204" pitchFamily="34" charset="-120"/>
@@ -35395,7 +35514,63 @@
                 <a:latin typeface="微軟正黑體" panose="020B0604030504040204" pitchFamily="34" charset="-120"/>
                 <a:ea typeface="微軟正黑體" panose="020B0604030504040204" pitchFamily="34" charset="-120"/>
               </a:rPr>
-              <a:t>，導入函式庫</a:t>
+              <a:t>，到草稿碼</a:t>
+            </a:r>
+            <a:r>
+              <a:rPr lang="en-US" altLang="zh-TW" sz="3200" dirty="0">
+                <a:latin typeface="微軟正黑體" panose="020B0604030504040204" pitchFamily="34" charset="-120"/>
+                <a:ea typeface="微軟正黑體" panose="020B0604030504040204" pitchFamily="34" charset="-120"/>
+              </a:rPr>
+              <a:t>&gt;</a:t>
+            </a:r>
+            <a:r>
+              <a:rPr lang="zh-TW" altLang="en-US" sz="3200" dirty="0">
+                <a:latin typeface="微軟正黑體" panose="020B0604030504040204" pitchFamily="34" charset="-120"/>
+                <a:ea typeface="微軟正黑體" panose="020B0604030504040204" pitchFamily="34" charset="-120"/>
+              </a:rPr>
+              <a:t>匯入程式庫</a:t>
+            </a:r>
+            <a:r>
+              <a:rPr lang="en-US" altLang="zh-TW" sz="3200" dirty="0">
+                <a:latin typeface="微軟正黑體" panose="020B0604030504040204" pitchFamily="34" charset="-120"/>
+                <a:ea typeface="微軟正黑體" panose="020B0604030504040204" pitchFamily="34" charset="-120"/>
+              </a:rPr>
+              <a:t>&gt;</a:t>
+            </a:r>
+            <a:r>
+              <a:rPr lang="zh-TW" altLang="en-US" sz="3200" dirty="0">
+                <a:latin typeface="微軟正黑體" panose="020B0604030504040204" pitchFamily="34" charset="-120"/>
+                <a:ea typeface="微軟正黑體" panose="020B0604030504040204" pitchFamily="34" charset="-120"/>
+              </a:rPr>
+              <a:t>加入</a:t>
+            </a:r>
+            <a:r>
+              <a:rPr lang="en-US" altLang="zh-TW" sz="3200" dirty="0">
+                <a:latin typeface="微軟正黑體" panose="020B0604030504040204" pitchFamily="34" charset="-120"/>
+                <a:ea typeface="微軟正黑體" panose="020B0604030504040204" pitchFamily="34" charset="-120"/>
+              </a:rPr>
+              <a:t>.ZIP</a:t>
+            </a:r>
+            <a:r>
+              <a:rPr lang="zh-TW" altLang="en-US" sz="3200" dirty="0">
+                <a:latin typeface="微軟正黑體" panose="020B0604030504040204" pitchFamily="34" charset="-120"/>
+                <a:ea typeface="微軟正黑體" panose="020B0604030504040204" pitchFamily="34" charset="-120"/>
+              </a:rPr>
+              <a:t>程式庫，接著選取主資料夾中的</a:t>
+            </a:r>
+            <a:r>
+              <a:rPr lang="en-US" altLang="zh-TW" sz="3200" dirty="0" err="1">
+                <a:latin typeface="微軟正黑體" panose="020B0604030504040204" pitchFamily="34" charset="-120"/>
+                <a:ea typeface="微軟正黑體" panose="020B0604030504040204" pitchFamily="34" charset="-120"/>
+              </a:rPr>
+              <a:t>Makeblock</a:t>
+            </a:r>
+            <a:r>
+              <a:rPr lang="zh-TW" altLang="en-US" sz="3200" dirty="0">
+                <a:latin typeface="微軟正黑體" panose="020B0604030504040204" pitchFamily="34" charset="-120"/>
+                <a:ea typeface="微軟正黑體" panose="020B0604030504040204" pitchFamily="34" charset="-120"/>
+              </a:rPr>
+              <a:t>壓縮檔</a:t>
             </a:r>
             <a:endParaRPr lang="en-US" altLang="zh-TW" sz="3200" dirty="0">
               <a:latin typeface="微軟正黑體" panose="020B0604030504040204" pitchFamily="34" charset="-120"/>
@@ -35537,7 +35712,7 @@
             <p:nvPr/>
           </p:nvPicPr>
           <p:blipFill>
-            <a:blip r:embed="rId2">
+            <a:blip r:embed="rId3">
               <a:extLst>
                 <a:ext uri="{28A0092B-C50C-407E-A947-70E740481C1C}">
                   <a14:useLocalDpi xmlns:a14="http://schemas.microsoft.com/office/drawing/2010/main" val="0"/>
@@ -35573,7 +35748,7 @@
             <p:nvPr/>
           </p:nvPicPr>
           <p:blipFill>
-            <a:blip r:embed="rId3">
+            <a:blip r:embed="rId4">
               <a:extLst>
                 <a:ext uri="{28A0092B-C50C-407E-A947-70E740481C1C}">
                   <a14:useLocalDpi xmlns:a14="http://schemas.microsoft.com/office/drawing/2010/main" val="0"/>
@@ -35598,7 +35773,7 @@
     </p:spTree>
     <p:extLst>
       <p:ext uri="{BB962C8B-B14F-4D97-AF65-F5344CB8AC3E}">
-        <p14:creationId xmlns:p14="http://schemas.microsoft.com/office/powerpoint/2010/main" val="2248588187"/>
+        <p14:creationId xmlns:p14="http://schemas.microsoft.com/office/powerpoint/2010/main" val="271589671"/>
       </p:ext>
     </p:extLst>
   </p:cSld>
@@ -36007,7 +36182,7 @@
     </p:spTree>
     <p:extLst>
       <p:ext uri="{BB962C8B-B14F-4D97-AF65-F5344CB8AC3E}">
-        <p14:creationId xmlns:p14="http://schemas.microsoft.com/office/powerpoint/2010/main" val="4180327613"/>
+        <p14:creationId xmlns:p14="http://schemas.microsoft.com/office/powerpoint/2010/main" val="4034493243"/>
       </p:ext>
     </p:extLst>
   </p:cSld>
@@ -36261,10 +36436,10 @@
       </p:grpSp>
       <p:pic>
         <p:nvPicPr>
-          <p:cNvPr id="3" name="圖片 2">
+          <p:cNvPr id="12" name="圖片 11">
             <a:extLst>
               <a:ext uri="{FF2B5EF4-FFF2-40B4-BE49-F238E27FC236}">
-                <a16:creationId xmlns:a16="http://schemas.microsoft.com/office/drawing/2014/main" id="{A275DAE8-F378-4EA5-8E78-73CD9340D08A}"/>
+                <a16:creationId xmlns:a16="http://schemas.microsoft.com/office/drawing/2014/main" id="{A3A12E15-DEFA-4217-BE88-9E09EFFCECE3}"/>
               </a:ext>
             </a:extLst>
           </p:cNvPr>
@@ -36273,15 +36448,22 @@
           </p:cNvPicPr>
           <p:nvPr/>
         </p:nvPicPr>
-        <p:blipFill rotWithShape="1">
-          <a:blip r:embed="rId4"/>
-          <a:srcRect l="17060" b="28446"/>
-          <a:stretch/>
+        <p:blipFill>
+          <a:blip r:embed="rId4">
+            <a:extLst>
+              <a:ext uri="{28A0092B-C50C-407E-A947-70E740481C1C}">
+                <a14:useLocalDpi xmlns:a14="http://schemas.microsoft.com/office/drawing/2010/main" val="0"/>
+              </a:ext>
+            </a:extLst>
+          </a:blip>
+          <a:stretch>
+            <a:fillRect/>
+          </a:stretch>
         </p:blipFill>
         <p:spPr>
           <a:xfrm>
-            <a:off x="2087283" y="1466255"/>
-            <a:ext cx="8242986" cy="4414419"/>
+            <a:off x="2136672" y="1584910"/>
+            <a:ext cx="7918655" cy="5067349"/>
           </a:xfrm>
           <a:prstGeom prst="rect">
             <a:avLst/>
@@ -36302,8 +36484,8 @@
         </p:nvSpPr>
         <p:spPr>
           <a:xfrm>
-            <a:off x="5215162" y="2495645"/>
-            <a:ext cx="2085524" cy="784584"/>
+            <a:off x="3440972" y="2122264"/>
+            <a:ext cx="2610578" cy="963835"/>
           </a:xfrm>
           <a:prstGeom prst="rect">
             <a:avLst/>
@@ -36343,7 +36525,7 @@
     </p:spTree>
     <p:extLst>
       <p:ext uri="{BB962C8B-B14F-4D97-AF65-F5344CB8AC3E}">
-        <p14:creationId xmlns:p14="http://schemas.microsoft.com/office/powerpoint/2010/main" val="4139741242"/>
+        <p14:creationId xmlns:p14="http://schemas.microsoft.com/office/powerpoint/2010/main" val="239793277"/>
       </p:ext>
     </p:extLst>
   </p:cSld>
@@ -36597,10 +36779,10 @@
       </p:grpSp>
       <p:pic>
         <p:nvPicPr>
-          <p:cNvPr id="12" name="圖片 11">
+          <p:cNvPr id="3" name="圖片 2">
             <a:extLst>
               <a:ext uri="{FF2B5EF4-FFF2-40B4-BE49-F238E27FC236}">
-                <a16:creationId xmlns:a16="http://schemas.microsoft.com/office/drawing/2014/main" id="{4A86D778-0CF8-4222-A2E4-2F16D8752D33}"/>
+                <a16:creationId xmlns:a16="http://schemas.microsoft.com/office/drawing/2014/main" id="{10129492-280A-4BD4-A8EF-326E74C2EA09}"/>
               </a:ext>
             </a:extLst>
           </p:cNvPr>
@@ -36610,15 +36792,21 @@
           <p:nvPr/>
         </p:nvPicPr>
         <p:blipFill>
-          <a:blip r:embed="rId4"/>
+          <a:blip r:embed="rId4">
+            <a:extLst>
+              <a:ext uri="{28A0092B-C50C-407E-A947-70E740481C1C}">
+                <a14:useLocalDpi xmlns:a14="http://schemas.microsoft.com/office/drawing/2010/main" val="0"/>
+              </a:ext>
+            </a:extLst>
+          </a:blip>
           <a:stretch>
             <a:fillRect/>
           </a:stretch>
         </p:blipFill>
         <p:spPr>
           <a:xfrm>
-            <a:off x="1469313" y="1451271"/>
-            <a:ext cx="9253374" cy="4451056"/>
+            <a:off x="1229958" y="1393292"/>
+            <a:ext cx="9732083" cy="5415785"/>
           </a:xfrm>
           <a:prstGeom prst="rect">
             <a:avLst/>
@@ -36639,7 +36827,7 @@
         </p:nvSpPr>
         <p:spPr>
           <a:xfrm>
-            <a:off x="6535962" y="5354881"/>
+            <a:off x="6635022" y="5566544"/>
             <a:ext cx="2143581" cy="465347"/>
           </a:xfrm>
           <a:prstGeom prst="rect">
@@ -36680,7 +36868,7 @@
     </p:spTree>
     <p:extLst>
       <p:ext uri="{BB962C8B-B14F-4D97-AF65-F5344CB8AC3E}">
-        <p14:creationId xmlns:p14="http://schemas.microsoft.com/office/powerpoint/2010/main" val="58345543"/>
+        <p14:creationId xmlns:p14="http://schemas.microsoft.com/office/powerpoint/2010/main" val="2988239008"/>
       </p:ext>
     </p:extLst>
   </p:cSld>
@@ -36691,6 +36879,343 @@
 </file>
 
 <file path=ppt/slides/slide14.xml><?xml version="1.0" encoding="utf-8"?>
+<p:sld xmlns:a="http://schemas.openxmlformats.org/drawingml/2006/main" xmlns:r="http://schemas.openxmlformats.org/officeDocument/2006/relationships" xmlns:p="http://schemas.openxmlformats.org/presentationml/2006/main">
+  <p:cSld>
+    <p:spTree>
+      <p:nvGrpSpPr>
+        <p:cNvPr id="1" name=""/>
+        <p:cNvGrpSpPr/>
+        <p:nvPr/>
+      </p:nvGrpSpPr>
+      <p:grpSpPr>
+        <a:xfrm>
+          <a:off x="0" y="0"/>
+          <a:ext cx="0" cy="0"/>
+          <a:chOff x="0" y="0"/>
+          <a:chExt cx="0" cy="0"/>
+        </a:xfrm>
+      </p:grpSpPr>
+      <p:sp>
+        <p:nvSpPr>
+          <p:cNvPr id="4" name="標題 3">
+            <a:extLst>
+              <a:ext uri="{FF2B5EF4-FFF2-40B4-BE49-F238E27FC236}">
+                <a16:creationId xmlns:a16="http://schemas.microsoft.com/office/drawing/2014/main" id="{3C618BD0-7357-4F85-A56C-747DCD526A29}"/>
+              </a:ext>
+            </a:extLst>
+          </p:cNvPr>
+          <p:cNvSpPr>
+            <a:spLocks noGrp="1"/>
+          </p:cNvSpPr>
+          <p:nvPr>
+            <p:ph type="title"/>
+          </p:nvPr>
+        </p:nvSpPr>
+        <p:spPr>
+          <a:xfrm>
+            <a:off x="444500" y="542925"/>
+            <a:ext cx="11214100" cy="923330"/>
+          </a:xfrm>
+        </p:spPr>
+        <p:txBody>
+          <a:bodyPr/>
+          <a:lstStyle/>
+          <a:p>
+            <a:r>
+              <a:rPr lang="en-US" altLang="zh-TW" sz="6000" dirty="0"/>
+              <a:t>Software Download</a:t>
+            </a:r>
+            <a:endParaRPr lang="zh-TW" altLang="en-US" sz="6000" dirty="0"/>
+          </a:p>
+        </p:txBody>
+      </p:sp>
+      <p:grpSp>
+        <p:nvGrpSpPr>
+          <p:cNvPr id="6" name="群組 5">
+            <a:extLst>
+              <a:ext uri="{FF2B5EF4-FFF2-40B4-BE49-F238E27FC236}">
+                <a16:creationId xmlns:a16="http://schemas.microsoft.com/office/drawing/2014/main" id="{1DB03A09-EFA9-446E-B14E-714605BE7F02}"/>
+              </a:ext>
+            </a:extLst>
+          </p:cNvPr>
+          <p:cNvGrpSpPr/>
+          <p:nvPr/>
+        </p:nvGrpSpPr>
+        <p:grpSpPr>
+          <a:xfrm>
+            <a:off x="0" y="6176963"/>
+            <a:ext cx="12192000" cy="703140"/>
+            <a:chOff x="0" y="6192732"/>
+            <a:chExt cx="12192000" cy="703140"/>
+          </a:xfrm>
+        </p:grpSpPr>
+        <p:sp>
+          <p:nvSpPr>
+            <p:cNvPr id="7" name="矩形 6">
+              <a:extLst>
+                <a:ext uri="{FF2B5EF4-FFF2-40B4-BE49-F238E27FC236}">
+                  <a16:creationId xmlns:a16="http://schemas.microsoft.com/office/drawing/2014/main" id="{30DA9C63-756D-4B37-9F80-D982634B6A42}"/>
+                </a:ext>
+              </a:extLst>
+            </p:cNvPr>
+            <p:cNvSpPr/>
+            <p:nvPr/>
+          </p:nvSpPr>
+          <p:spPr>
+            <a:xfrm>
+              <a:off x="0" y="6212114"/>
+              <a:ext cx="12192000" cy="683758"/>
+            </a:xfrm>
+            <a:prstGeom prst="rect">
+              <a:avLst/>
+            </a:prstGeom>
+            <a:solidFill>
+              <a:srgbClr val="0065A4"/>
+            </a:solidFill>
+            <a:ln>
+              <a:noFill/>
+            </a:ln>
+          </p:spPr>
+          <p:style>
+            <a:lnRef idx="2">
+              <a:schemeClr val="accent5">
+                <a:shade val="50000"/>
+              </a:schemeClr>
+            </a:lnRef>
+            <a:fillRef idx="1">
+              <a:schemeClr val="accent5"/>
+            </a:fillRef>
+            <a:effectRef idx="0">
+              <a:schemeClr val="accent5"/>
+            </a:effectRef>
+            <a:fontRef idx="minor">
+              <a:schemeClr val="lt1"/>
+            </a:fontRef>
+          </p:style>
+          <p:txBody>
+            <a:bodyPr rtlCol="0" anchor="ctr"/>
+            <a:lstStyle/>
+            <a:p>
+              <a:pPr algn="ctr"/>
+              <a:endParaRPr lang="zh-TW" altLang="en-US" dirty="0">
+                <a:highlight>
+                  <a:srgbClr val="00FFFF"/>
+                </a:highlight>
+              </a:endParaRPr>
+            </a:p>
+          </p:txBody>
+        </p:sp>
+        <p:sp>
+          <p:nvSpPr>
+            <p:cNvPr id="8" name="文字方塊 7">
+              <a:extLst>
+                <a:ext uri="{FF2B5EF4-FFF2-40B4-BE49-F238E27FC236}">
+                  <a16:creationId xmlns:a16="http://schemas.microsoft.com/office/drawing/2014/main" id="{A617ED4E-876A-4C6A-B2FD-ABFA65439411}"/>
+                </a:ext>
+              </a:extLst>
+            </p:cNvPr>
+            <p:cNvSpPr txBox="1"/>
+            <p:nvPr/>
+          </p:nvSpPr>
+          <p:spPr>
+            <a:xfrm flipH="1">
+              <a:off x="3186974" y="6211669"/>
+              <a:ext cx="5818052" cy="646331"/>
+            </a:xfrm>
+            <a:prstGeom prst="rect">
+              <a:avLst/>
+            </a:prstGeom>
+            <a:noFill/>
+          </p:spPr>
+          <p:txBody>
+            <a:bodyPr wrap="square" rtlCol="0">
+              <a:spAutoFit/>
+            </a:bodyPr>
+            <a:lstStyle/>
+            <a:p>
+              <a:pPr algn="dist"/>
+              <a:r>
+                <a:rPr lang="zh-TW" altLang="en-US" sz="3600" dirty="0">
+                  <a:solidFill>
+                    <a:schemeClr val="bg1"/>
+                  </a:solidFill>
+                  <a:latin typeface="標楷體" panose="03000509000000000000" pitchFamily="65" charset="-120"/>
+                  <a:ea typeface="標楷體" panose="03000509000000000000" pitchFamily="65" charset="-120"/>
+                </a:rPr>
+                <a:t>電機事務所</a:t>
+              </a:r>
+            </a:p>
+          </p:txBody>
+        </p:sp>
+        <p:pic>
+          <p:nvPicPr>
+            <p:cNvPr id="9" name="圖片 8">
+              <a:extLst>
+                <a:ext uri="{FF2B5EF4-FFF2-40B4-BE49-F238E27FC236}">
+                  <a16:creationId xmlns:a16="http://schemas.microsoft.com/office/drawing/2014/main" id="{20FE69CC-E546-459D-9C4E-D47BE26B4B2E}"/>
+                </a:ext>
+              </a:extLst>
+            </p:cNvPr>
+            <p:cNvPicPr>
+              <a:picLocks noChangeAspect="1"/>
+            </p:cNvPicPr>
+            <p:nvPr/>
+          </p:nvPicPr>
+          <p:blipFill>
+            <a:blip r:embed="rId2">
+              <a:extLst>
+                <a:ext uri="{28A0092B-C50C-407E-A947-70E740481C1C}">
+                  <a14:useLocalDpi xmlns:a14="http://schemas.microsoft.com/office/drawing/2010/main" val="0"/>
+                </a:ext>
+              </a:extLst>
+            </a:blip>
+            <a:stretch>
+              <a:fillRect/>
+            </a:stretch>
+          </p:blipFill>
+          <p:spPr>
+            <a:xfrm>
+              <a:off x="10330269" y="6244819"/>
+              <a:ext cx="580027" cy="580027"/>
+            </a:xfrm>
+            <a:prstGeom prst="rect">
+              <a:avLst/>
+            </a:prstGeom>
+          </p:spPr>
+        </p:pic>
+        <p:pic>
+          <p:nvPicPr>
+            <p:cNvPr id="10" name="圖片 9">
+              <a:extLst>
+                <a:ext uri="{FF2B5EF4-FFF2-40B4-BE49-F238E27FC236}">
+                  <a16:creationId xmlns:a16="http://schemas.microsoft.com/office/drawing/2014/main" id="{05D3740C-3C2F-49BC-B8F4-176998CD17A5}"/>
+                </a:ext>
+              </a:extLst>
+            </p:cNvPr>
+            <p:cNvPicPr>
+              <a:picLocks noChangeAspect="1"/>
+            </p:cNvPicPr>
+            <p:nvPr/>
+          </p:nvPicPr>
+          <p:blipFill>
+            <a:blip r:embed="rId3">
+              <a:extLst>
+                <a:ext uri="{28A0092B-C50C-407E-A947-70E740481C1C}">
+                  <a14:useLocalDpi xmlns:a14="http://schemas.microsoft.com/office/drawing/2010/main" val="0"/>
+                </a:ext>
+              </a:extLst>
+            </a:blip>
+            <a:stretch>
+              <a:fillRect/>
+            </a:stretch>
+          </p:blipFill>
+          <p:spPr>
+            <a:xfrm>
+              <a:off x="1343227" y="6192732"/>
+              <a:ext cx="684203" cy="684203"/>
+            </a:xfrm>
+            <a:prstGeom prst="rect">
+              <a:avLst/>
+            </a:prstGeom>
+          </p:spPr>
+        </p:pic>
+      </p:grpSp>
+      <p:pic>
+        <p:nvPicPr>
+          <p:cNvPr id="5" name="圖片 4">
+            <a:extLst>
+              <a:ext uri="{FF2B5EF4-FFF2-40B4-BE49-F238E27FC236}">
+                <a16:creationId xmlns:a16="http://schemas.microsoft.com/office/drawing/2014/main" id="{E7B6FCD1-B3CF-43F7-B22B-A9D97DE2F1C4}"/>
+              </a:ext>
+            </a:extLst>
+          </p:cNvPr>
+          <p:cNvPicPr>
+            <a:picLocks noChangeAspect="1"/>
+          </p:cNvPicPr>
+          <p:nvPr/>
+        </p:nvPicPr>
+        <p:blipFill>
+          <a:blip r:embed="rId4"/>
+          <a:stretch>
+            <a:fillRect/>
+          </a:stretch>
+        </p:blipFill>
+        <p:spPr>
+          <a:xfrm>
+            <a:off x="2382924" y="1485637"/>
+            <a:ext cx="7426151" cy="4528696"/>
+          </a:xfrm>
+          <a:prstGeom prst="rect">
+            <a:avLst/>
+          </a:prstGeom>
+        </p:spPr>
+      </p:pic>
+      <p:sp>
+        <p:nvSpPr>
+          <p:cNvPr id="15" name="矩形 14">
+            <a:extLst>
+              <a:ext uri="{FF2B5EF4-FFF2-40B4-BE49-F238E27FC236}">
+                <a16:creationId xmlns:a16="http://schemas.microsoft.com/office/drawing/2014/main" id="{13AD6414-3A3C-4E13-A815-28B1DEF71E49}"/>
+              </a:ext>
+            </a:extLst>
+          </p:cNvPr>
+          <p:cNvSpPr/>
+          <p:nvPr/>
+        </p:nvSpPr>
+        <p:spPr>
+          <a:xfrm>
+            <a:off x="4796390" y="4907016"/>
+            <a:ext cx="4062475" cy="465347"/>
+          </a:xfrm>
+          <a:prstGeom prst="rect">
+            <a:avLst/>
+          </a:prstGeom>
+          <a:noFill/>
+          <a:ln w="63500">
+            <a:solidFill>
+              <a:srgbClr val="FF0000"/>
+            </a:solidFill>
+          </a:ln>
+        </p:spPr>
+        <p:style>
+          <a:lnRef idx="2">
+            <a:schemeClr val="accent1">
+              <a:shade val="50000"/>
+            </a:schemeClr>
+          </a:lnRef>
+          <a:fillRef idx="1">
+            <a:schemeClr val="accent1"/>
+          </a:fillRef>
+          <a:effectRef idx="0">
+            <a:schemeClr val="accent1"/>
+          </a:effectRef>
+          <a:fontRef idx="minor">
+            <a:schemeClr val="lt1"/>
+          </a:fontRef>
+        </p:style>
+        <p:txBody>
+          <a:bodyPr rtlCol="0" anchor="ctr"/>
+          <a:lstStyle/>
+          <a:p>
+            <a:pPr algn="ctr"/>
+            <a:endParaRPr lang="zh-TW" altLang="en-US" dirty="0"/>
+          </a:p>
+        </p:txBody>
+      </p:sp>
+    </p:spTree>
+    <p:extLst>
+      <p:ext uri="{BB962C8B-B14F-4D97-AF65-F5344CB8AC3E}">
+        <p14:creationId xmlns:p14="http://schemas.microsoft.com/office/powerpoint/2010/main" val="3041364368"/>
+      </p:ext>
+    </p:extLst>
+  </p:cSld>
+  <p:clrMapOvr>
+    <a:masterClrMapping/>
+  </p:clrMapOvr>
+</p:sld>
+</file>
+
+<file path=ppt/slides/slide15.xml><?xml version="1.0" encoding="utf-8"?>
 <p:sld xmlns:a="http://schemas.openxmlformats.org/drawingml/2006/main" xmlns:r="http://schemas.openxmlformats.org/officeDocument/2006/relationships" xmlns:p="http://schemas.openxmlformats.org/presentationml/2006/main">
   <p:cSld>
     <p:spTree>
@@ -37042,7 +37567,7 @@
     </p:spTree>
     <p:extLst>
       <p:ext uri="{BB962C8B-B14F-4D97-AF65-F5344CB8AC3E}">
-        <p14:creationId xmlns:p14="http://schemas.microsoft.com/office/powerpoint/2010/main" val="2278791557"/>
+        <p14:creationId xmlns:p14="http://schemas.microsoft.com/office/powerpoint/2010/main" val="3136454455"/>
       </p:ext>
     </p:extLst>
   </p:cSld>
@@ -37052,7 +37577,7 @@
 </p:sld>
 </file>
 
-<file path=ppt/slides/slide15.xml><?xml version="1.0" encoding="utf-8"?>
+<file path=ppt/slides/slide16.xml><?xml version="1.0" encoding="utf-8"?>
 <p:sld xmlns:a="http://schemas.openxmlformats.org/drawingml/2006/main" xmlns:r="http://schemas.openxmlformats.org/officeDocument/2006/relationships" xmlns:p="http://schemas.openxmlformats.org/presentationml/2006/main">
   <p:cSld>
     <p:spTree>
@@ -37097,6 +37622,452 @@
           <a:p>
             <a:r>
               <a:rPr lang="en-US" altLang="zh-TW" sz="6000" dirty="0"/>
+              <a:t>Connecting</a:t>
+            </a:r>
+            <a:endParaRPr lang="zh-TW" altLang="en-US" sz="6000" dirty="0"/>
+          </a:p>
+        </p:txBody>
+      </p:sp>
+      <p:sp>
+        <p:nvSpPr>
+          <p:cNvPr id="5" name="內容版面配置區 4">
+            <a:extLst>
+              <a:ext uri="{FF2B5EF4-FFF2-40B4-BE49-F238E27FC236}">
+                <a16:creationId xmlns:a16="http://schemas.microsoft.com/office/drawing/2014/main" id="{A431B4DC-7FF3-4C42-928F-8F2FAA26F988}"/>
+              </a:ext>
+            </a:extLst>
+          </p:cNvPr>
+          <p:cNvSpPr>
+            <a:spLocks noGrp="1"/>
+          </p:cNvSpPr>
+          <p:nvPr>
+            <p:ph idx="1"/>
+          </p:nvPr>
+        </p:nvSpPr>
+        <p:spPr/>
+        <p:txBody>
+          <a:bodyPr>
+            <a:normAutofit/>
+          </a:bodyPr>
+          <a:lstStyle/>
+          <a:p>
+            <a:r>
+              <a:rPr lang="zh-TW" altLang="en-US" sz="3200" dirty="0">
+                <a:latin typeface="微軟正黑體" panose="020B0604030504040204" pitchFamily="34" charset="-120"/>
+                <a:ea typeface="微軟正黑體" panose="020B0604030504040204" pitchFamily="34" charset="-120"/>
+              </a:rPr>
+              <a:t>接上</a:t>
+            </a:r>
+            <a:r>
+              <a:rPr lang="en-US" altLang="zh-TW" sz="3200" dirty="0" err="1">
+                <a:latin typeface="微軟正黑體" panose="020B0604030504040204" pitchFamily="34" charset="-120"/>
+                <a:ea typeface="微軟正黑體" panose="020B0604030504040204" pitchFamily="34" charset="-120"/>
+              </a:rPr>
+              <a:t>Mbot</a:t>
+            </a:r>
+            <a:r>
+              <a:rPr lang="zh-TW" altLang="en-US" sz="3200" dirty="0">
+                <a:latin typeface="微軟正黑體" panose="020B0604030504040204" pitchFamily="34" charset="-120"/>
+                <a:ea typeface="微軟正黑體" panose="020B0604030504040204" pitchFamily="34" charset="-120"/>
+              </a:rPr>
+              <a:t>後到</a:t>
+            </a:r>
+            <a:r>
+              <a:rPr lang="en-US" altLang="zh-TW" sz="3200" dirty="0">
+                <a:latin typeface="微軟正黑體" panose="020B0604030504040204" pitchFamily="34" charset="-120"/>
+                <a:ea typeface="微軟正黑體" panose="020B0604030504040204" pitchFamily="34" charset="-120"/>
+              </a:rPr>
+              <a:t>IDE</a:t>
+            </a:r>
+            <a:r>
+              <a:rPr lang="zh-TW" altLang="en-US" sz="3200" dirty="0">
+                <a:latin typeface="微軟正黑體" panose="020B0604030504040204" pitchFamily="34" charset="-120"/>
+                <a:ea typeface="微軟正黑體" panose="020B0604030504040204" pitchFamily="34" charset="-120"/>
+              </a:rPr>
+              <a:t>的工具</a:t>
+            </a:r>
+            <a:r>
+              <a:rPr lang="en-US" altLang="zh-TW" sz="3200" dirty="0">
+                <a:latin typeface="微軟正黑體" panose="020B0604030504040204" pitchFamily="34" charset="-120"/>
+                <a:ea typeface="微軟正黑體" panose="020B0604030504040204" pitchFamily="34" charset="-120"/>
+              </a:rPr>
+              <a:t>&gt;</a:t>
+            </a:r>
+            <a:r>
+              <a:rPr lang="zh-TW" altLang="en-US" sz="3200" dirty="0">
+                <a:latin typeface="微軟正黑體" panose="020B0604030504040204" pitchFamily="34" charset="-120"/>
+                <a:ea typeface="微軟正黑體" panose="020B0604030504040204" pitchFamily="34" charset="-120"/>
+              </a:rPr>
+              <a:t>序列埠確定號碼</a:t>
+            </a:r>
+            <a:endParaRPr lang="en-US" altLang="zh-TW" sz="3200" dirty="0">
+              <a:latin typeface="微軟正黑體" panose="020B0604030504040204" pitchFamily="34" charset="-120"/>
+              <a:ea typeface="微軟正黑體" panose="020B0604030504040204" pitchFamily="34" charset="-120"/>
+            </a:endParaRPr>
+          </a:p>
+          <a:p>
+            <a:r>
+              <a:rPr lang="zh-TW" altLang="en-US" sz="3200" dirty="0">
+                <a:latin typeface="微軟正黑體" panose="020B0604030504040204" pitchFamily="34" charset="-120"/>
+                <a:ea typeface="微軟正黑體" panose="020B0604030504040204" pitchFamily="34" charset="-120"/>
+              </a:rPr>
+              <a:t>在工具</a:t>
+            </a:r>
+            <a:r>
+              <a:rPr lang="en-US" altLang="zh-TW" sz="3200" dirty="0">
+                <a:latin typeface="微軟正黑體" panose="020B0604030504040204" pitchFamily="34" charset="-120"/>
+                <a:ea typeface="微軟正黑體" panose="020B0604030504040204" pitchFamily="34" charset="-120"/>
+              </a:rPr>
+              <a:t>&gt;</a:t>
+            </a:r>
+            <a:r>
+              <a:rPr lang="zh-TW" altLang="en-US" sz="3200" dirty="0">
+                <a:latin typeface="微軟正黑體" panose="020B0604030504040204" pitchFamily="34" charset="-120"/>
+                <a:ea typeface="微軟正黑體" panose="020B0604030504040204" pitchFamily="34" charset="-120"/>
+              </a:rPr>
+              <a:t>開發板選</a:t>
+            </a:r>
+            <a:r>
+              <a:rPr lang="en-US" altLang="zh-TW" sz="3200" dirty="0">
+                <a:latin typeface="微軟正黑體" panose="020B0604030504040204" pitchFamily="34" charset="-120"/>
+                <a:ea typeface="微軟正黑體" panose="020B0604030504040204" pitchFamily="34" charset="-120"/>
+              </a:rPr>
+              <a:t>Arduino UNO</a:t>
+            </a:r>
+          </a:p>
+        </p:txBody>
+      </p:sp>
+      <p:grpSp>
+        <p:nvGrpSpPr>
+          <p:cNvPr id="6" name="群組 5">
+            <a:extLst>
+              <a:ext uri="{FF2B5EF4-FFF2-40B4-BE49-F238E27FC236}">
+                <a16:creationId xmlns:a16="http://schemas.microsoft.com/office/drawing/2014/main" id="{1DB03A09-EFA9-446E-B14E-714605BE7F02}"/>
+              </a:ext>
+            </a:extLst>
+          </p:cNvPr>
+          <p:cNvGrpSpPr/>
+          <p:nvPr/>
+        </p:nvGrpSpPr>
+        <p:grpSpPr>
+          <a:xfrm>
+            <a:off x="0" y="6176963"/>
+            <a:ext cx="12192000" cy="703140"/>
+            <a:chOff x="0" y="6192732"/>
+            <a:chExt cx="12192000" cy="703140"/>
+          </a:xfrm>
+        </p:grpSpPr>
+        <p:sp>
+          <p:nvSpPr>
+            <p:cNvPr id="7" name="矩形 6">
+              <a:extLst>
+                <a:ext uri="{FF2B5EF4-FFF2-40B4-BE49-F238E27FC236}">
+                  <a16:creationId xmlns:a16="http://schemas.microsoft.com/office/drawing/2014/main" id="{30DA9C63-756D-4B37-9F80-D982634B6A42}"/>
+                </a:ext>
+              </a:extLst>
+            </p:cNvPr>
+            <p:cNvSpPr/>
+            <p:nvPr/>
+          </p:nvSpPr>
+          <p:spPr>
+            <a:xfrm>
+              <a:off x="0" y="6212114"/>
+              <a:ext cx="12192000" cy="683758"/>
+            </a:xfrm>
+            <a:prstGeom prst="rect">
+              <a:avLst/>
+            </a:prstGeom>
+            <a:solidFill>
+              <a:srgbClr val="0065A4"/>
+            </a:solidFill>
+            <a:ln>
+              <a:noFill/>
+            </a:ln>
+          </p:spPr>
+          <p:style>
+            <a:lnRef idx="2">
+              <a:schemeClr val="accent5">
+                <a:shade val="50000"/>
+              </a:schemeClr>
+            </a:lnRef>
+            <a:fillRef idx="1">
+              <a:schemeClr val="accent5"/>
+            </a:fillRef>
+            <a:effectRef idx="0">
+              <a:schemeClr val="accent5"/>
+            </a:effectRef>
+            <a:fontRef idx="minor">
+              <a:schemeClr val="lt1"/>
+            </a:fontRef>
+          </p:style>
+          <p:txBody>
+            <a:bodyPr rtlCol="0" anchor="ctr"/>
+            <a:lstStyle/>
+            <a:p>
+              <a:pPr algn="ctr"/>
+              <a:endParaRPr lang="zh-TW" altLang="en-US" dirty="0">
+                <a:highlight>
+                  <a:srgbClr val="00FFFF"/>
+                </a:highlight>
+              </a:endParaRPr>
+            </a:p>
+          </p:txBody>
+        </p:sp>
+        <p:sp>
+          <p:nvSpPr>
+            <p:cNvPr id="8" name="文字方塊 7">
+              <a:extLst>
+                <a:ext uri="{FF2B5EF4-FFF2-40B4-BE49-F238E27FC236}">
+                  <a16:creationId xmlns:a16="http://schemas.microsoft.com/office/drawing/2014/main" id="{A617ED4E-876A-4C6A-B2FD-ABFA65439411}"/>
+                </a:ext>
+              </a:extLst>
+            </p:cNvPr>
+            <p:cNvSpPr txBox="1"/>
+            <p:nvPr/>
+          </p:nvSpPr>
+          <p:spPr>
+            <a:xfrm flipH="1">
+              <a:off x="3186974" y="6211669"/>
+              <a:ext cx="5818052" cy="646331"/>
+            </a:xfrm>
+            <a:prstGeom prst="rect">
+              <a:avLst/>
+            </a:prstGeom>
+            <a:noFill/>
+          </p:spPr>
+          <p:txBody>
+            <a:bodyPr wrap="square" rtlCol="0">
+              <a:spAutoFit/>
+            </a:bodyPr>
+            <a:lstStyle/>
+            <a:p>
+              <a:pPr algn="dist"/>
+              <a:r>
+                <a:rPr lang="zh-TW" altLang="en-US" sz="3600" dirty="0">
+                  <a:solidFill>
+                    <a:schemeClr val="bg1"/>
+                  </a:solidFill>
+                  <a:latin typeface="標楷體" panose="03000509000000000000" pitchFamily="65" charset="-120"/>
+                  <a:ea typeface="標楷體" panose="03000509000000000000" pitchFamily="65" charset="-120"/>
+                </a:rPr>
+                <a:t>電機事務所</a:t>
+              </a:r>
+            </a:p>
+          </p:txBody>
+        </p:sp>
+        <p:pic>
+          <p:nvPicPr>
+            <p:cNvPr id="9" name="圖片 8">
+              <a:extLst>
+                <a:ext uri="{FF2B5EF4-FFF2-40B4-BE49-F238E27FC236}">
+                  <a16:creationId xmlns:a16="http://schemas.microsoft.com/office/drawing/2014/main" id="{20FE69CC-E546-459D-9C4E-D47BE26B4B2E}"/>
+                </a:ext>
+              </a:extLst>
+            </p:cNvPr>
+            <p:cNvPicPr>
+              <a:picLocks noChangeAspect="1"/>
+            </p:cNvPicPr>
+            <p:nvPr/>
+          </p:nvPicPr>
+          <p:blipFill>
+            <a:blip r:embed="rId2">
+              <a:extLst>
+                <a:ext uri="{28A0092B-C50C-407E-A947-70E740481C1C}">
+                  <a14:useLocalDpi xmlns:a14="http://schemas.microsoft.com/office/drawing/2010/main" val="0"/>
+                </a:ext>
+              </a:extLst>
+            </a:blip>
+            <a:stretch>
+              <a:fillRect/>
+            </a:stretch>
+          </p:blipFill>
+          <p:spPr>
+            <a:xfrm>
+              <a:off x="10330269" y="6244819"/>
+              <a:ext cx="580027" cy="580027"/>
+            </a:xfrm>
+            <a:prstGeom prst="rect">
+              <a:avLst/>
+            </a:prstGeom>
+          </p:spPr>
+        </p:pic>
+        <p:pic>
+          <p:nvPicPr>
+            <p:cNvPr id="10" name="圖片 9">
+              <a:extLst>
+                <a:ext uri="{FF2B5EF4-FFF2-40B4-BE49-F238E27FC236}">
+                  <a16:creationId xmlns:a16="http://schemas.microsoft.com/office/drawing/2014/main" id="{05D3740C-3C2F-49BC-B8F4-176998CD17A5}"/>
+                </a:ext>
+              </a:extLst>
+            </p:cNvPr>
+            <p:cNvPicPr>
+              <a:picLocks noChangeAspect="1"/>
+            </p:cNvPicPr>
+            <p:nvPr/>
+          </p:nvPicPr>
+          <p:blipFill>
+            <a:blip r:embed="rId3">
+              <a:extLst>
+                <a:ext uri="{28A0092B-C50C-407E-A947-70E740481C1C}">
+                  <a14:useLocalDpi xmlns:a14="http://schemas.microsoft.com/office/drawing/2010/main" val="0"/>
+                </a:ext>
+              </a:extLst>
+            </a:blip>
+            <a:stretch>
+              <a:fillRect/>
+            </a:stretch>
+          </p:blipFill>
+          <p:spPr>
+            <a:xfrm>
+              <a:off x="1343227" y="6192732"/>
+              <a:ext cx="684203" cy="684203"/>
+            </a:xfrm>
+            <a:prstGeom prst="rect">
+              <a:avLst/>
+            </a:prstGeom>
+          </p:spPr>
+        </p:pic>
+      </p:grpSp>
+      <p:pic>
+        <p:nvPicPr>
+          <p:cNvPr id="3" name="圖片 2">
+            <a:extLst>
+              <a:ext uri="{FF2B5EF4-FFF2-40B4-BE49-F238E27FC236}">
+                <a16:creationId xmlns:a16="http://schemas.microsoft.com/office/drawing/2014/main" id="{20B5BEFD-3662-48E2-9801-A056DA69D846}"/>
+              </a:ext>
+            </a:extLst>
+          </p:cNvPr>
+          <p:cNvPicPr>
+            <a:picLocks noChangeAspect="1"/>
+          </p:cNvPicPr>
+          <p:nvPr/>
+        </p:nvPicPr>
+        <p:blipFill>
+          <a:blip r:embed="rId4"/>
+          <a:stretch>
+            <a:fillRect/>
+          </a:stretch>
+        </p:blipFill>
+        <p:spPr>
+          <a:xfrm>
+            <a:off x="3028014" y="2949726"/>
+            <a:ext cx="6135972" cy="3208302"/>
+          </a:xfrm>
+          <a:prstGeom prst="rect">
+            <a:avLst/>
+          </a:prstGeom>
+        </p:spPr>
+      </p:pic>
+      <p:sp>
+        <p:nvSpPr>
+          <p:cNvPr id="11" name="矩形 10">
+            <a:extLst>
+              <a:ext uri="{FF2B5EF4-FFF2-40B4-BE49-F238E27FC236}">
+                <a16:creationId xmlns:a16="http://schemas.microsoft.com/office/drawing/2014/main" id="{06D9BDCD-8F25-4829-90B0-7D3485970546}"/>
+              </a:ext>
+            </a:extLst>
+          </p:cNvPr>
+          <p:cNvSpPr/>
+          <p:nvPr/>
+        </p:nvSpPr>
+        <p:spPr>
+          <a:xfrm>
+            <a:off x="4373334" y="5354881"/>
+            <a:ext cx="2709637" cy="552434"/>
+          </a:xfrm>
+          <a:prstGeom prst="rect">
+            <a:avLst/>
+          </a:prstGeom>
+          <a:noFill/>
+          <a:ln w="63500">
+            <a:solidFill>
+              <a:srgbClr val="FF0000"/>
+            </a:solidFill>
+          </a:ln>
+        </p:spPr>
+        <p:style>
+          <a:lnRef idx="2">
+            <a:schemeClr val="accent1">
+              <a:shade val="50000"/>
+            </a:schemeClr>
+          </a:lnRef>
+          <a:fillRef idx="1">
+            <a:schemeClr val="accent1"/>
+          </a:fillRef>
+          <a:effectRef idx="0">
+            <a:schemeClr val="accent1"/>
+          </a:effectRef>
+          <a:fontRef idx="minor">
+            <a:schemeClr val="lt1"/>
+          </a:fontRef>
+        </p:style>
+        <p:txBody>
+          <a:bodyPr rtlCol="0" anchor="ctr"/>
+          <a:lstStyle/>
+          <a:p>
+            <a:pPr algn="ctr"/>
+            <a:endParaRPr lang="zh-TW" altLang="en-US" dirty="0"/>
+          </a:p>
+        </p:txBody>
+      </p:sp>
+    </p:spTree>
+    <p:extLst>
+      <p:ext uri="{BB962C8B-B14F-4D97-AF65-F5344CB8AC3E}">
+        <p14:creationId xmlns:p14="http://schemas.microsoft.com/office/powerpoint/2010/main" val="4102425044"/>
+      </p:ext>
+    </p:extLst>
+  </p:cSld>
+  <p:clrMapOvr>
+    <a:masterClrMapping/>
+  </p:clrMapOvr>
+</p:sld>
+</file>
+
+<file path=ppt/slides/slide17.xml><?xml version="1.0" encoding="utf-8"?>
+<p:sld xmlns:a="http://schemas.openxmlformats.org/drawingml/2006/main" xmlns:r="http://schemas.openxmlformats.org/officeDocument/2006/relationships" xmlns:p="http://schemas.openxmlformats.org/presentationml/2006/main">
+  <p:cSld>
+    <p:spTree>
+      <p:nvGrpSpPr>
+        <p:cNvPr id="1" name=""/>
+        <p:cNvGrpSpPr/>
+        <p:nvPr/>
+      </p:nvGrpSpPr>
+      <p:grpSpPr>
+        <a:xfrm>
+          <a:off x="0" y="0"/>
+          <a:ext cx="0" cy="0"/>
+          <a:chOff x="0" y="0"/>
+          <a:chExt cx="0" cy="0"/>
+        </a:xfrm>
+      </p:grpSpPr>
+      <p:sp>
+        <p:nvSpPr>
+          <p:cNvPr id="4" name="標題 3">
+            <a:extLst>
+              <a:ext uri="{FF2B5EF4-FFF2-40B4-BE49-F238E27FC236}">
+                <a16:creationId xmlns:a16="http://schemas.microsoft.com/office/drawing/2014/main" id="{3C618BD0-7357-4F85-A56C-747DCD526A29}"/>
+              </a:ext>
+            </a:extLst>
+          </p:cNvPr>
+          <p:cNvSpPr>
+            <a:spLocks noGrp="1"/>
+          </p:cNvSpPr>
+          <p:nvPr>
+            <p:ph type="title"/>
+          </p:nvPr>
+        </p:nvSpPr>
+        <p:spPr>
+          <a:xfrm>
+            <a:off x="444500" y="542925"/>
+            <a:ext cx="11214100" cy="923330"/>
+          </a:xfrm>
+        </p:spPr>
+        <p:txBody>
+          <a:bodyPr/>
+          <a:lstStyle/>
+          <a:p>
+            <a:r>
+              <a:rPr lang="en-US" altLang="zh-TW" sz="6000"/>
               <a:t>File upload</a:t>
             </a:r>
             <a:endParaRPr lang="zh-TW" altLang="en-US" sz="6000" dirty="0"/>
@@ -37458,7 +38429,7 @@
     </p:spTree>
     <p:extLst>
       <p:ext uri="{BB962C8B-B14F-4D97-AF65-F5344CB8AC3E}">
-        <p14:creationId xmlns:p14="http://schemas.microsoft.com/office/powerpoint/2010/main" val="1553007626"/>
+        <p14:creationId xmlns:p14="http://schemas.microsoft.com/office/powerpoint/2010/main" val="1343515198"/>
       </p:ext>
     </p:extLst>
   </p:cSld>
@@ -37468,7 +38439,7 @@
 </p:sld>
 </file>
 
-<file path=ppt/slides/slide16.xml><?xml version="1.0" encoding="utf-8"?>
+<file path=ppt/slides/slide18.xml><?xml version="1.0" encoding="utf-8"?>
 <p:sld xmlns:a="http://schemas.openxmlformats.org/drawingml/2006/main" xmlns:r="http://schemas.openxmlformats.org/officeDocument/2006/relationships" xmlns:p="http://schemas.openxmlformats.org/presentationml/2006/main">
   <p:cSld>
     <p:spTree>
@@ -37892,8 +38863,8 @@
         </p:nvSpPr>
         <p:spPr>
           <a:xfrm>
-            <a:off x="443365" y="1825625"/>
-            <a:ext cx="5818052" cy="4351338"/>
+            <a:off x="567130" y="1825625"/>
+            <a:ext cx="5484420" cy="4351338"/>
           </a:xfrm>
         </p:spPr>
         <p:txBody>
@@ -37910,10 +38881,24 @@
                 <a:latin typeface="微軟正黑體" panose="020B0604030504040204" pitchFamily="34" charset="-120"/>
                 <a:ea typeface="微軟正黑體" panose="020B0604030504040204" pitchFamily="34" charset="-120"/>
               </a:rPr>
-              <a:t>主控板上搭載</a:t>
+              <a:t>由</a:t>
             </a:r>
             <a:r>
-              <a:rPr lang="en-US" altLang="zh-TW" sz="3200" dirty="0">
+              <a:rPr lang="en-US" altLang="zh-TW" sz="3200" dirty="0" err="1">
+                <a:latin typeface="微軟正黑體" panose="020B0604030504040204" pitchFamily="34" charset="-120"/>
+                <a:ea typeface="微軟正黑體" panose="020B0604030504040204" pitchFamily="34" charset="-120"/>
+              </a:rPr>
+              <a:t>Makeblock</a:t>
+            </a:r>
+            <a:r>
+              <a:rPr lang="zh-TW" altLang="en-US" sz="3200" dirty="0">
+                <a:latin typeface="微軟正黑體" panose="020B0604030504040204" pitchFamily="34" charset="-120"/>
+                <a:ea typeface="微軟正黑體" panose="020B0604030504040204" pitchFamily="34" charset="-120"/>
+              </a:rPr>
+              <a:t>開發，主控板上搭載</a:t>
+            </a:r>
+            <a:r>
+              <a:rPr lang="en-US" altLang="zh-TW" sz="3200" u="sng" dirty="0">
                 <a:latin typeface="微軟正黑體" panose="020B0604030504040204" pitchFamily="34" charset="-120"/>
                 <a:ea typeface="微軟正黑體" panose="020B0604030504040204" pitchFamily="34" charset="-120"/>
               </a:rPr>
@@ -37938,7 +38923,14 @@
                 <a:latin typeface="微軟正黑體" panose="020B0604030504040204" pitchFamily="34" charset="-120"/>
                 <a:ea typeface="微軟正黑體" panose="020B0604030504040204" pitchFamily="34" charset="-120"/>
               </a:rPr>
-              <a:t>接口可外接各式模組</a:t>
+              <a:t>接口</a:t>
+            </a:r>
+            <a:r>
+              <a:rPr lang="zh-TW" altLang="en-US" sz="3200" u="sng" dirty="0">
+                <a:latin typeface="微軟正黑體" panose="020B0604030504040204" pitchFamily="34" charset="-120"/>
+                <a:ea typeface="微軟正黑體" panose="020B0604030504040204" pitchFamily="34" charset="-120"/>
+              </a:rPr>
+              <a:t>可外接各式模組</a:t>
             </a:r>
             <a:r>
               <a:rPr lang="en-US" altLang="zh-TW" sz="3200" dirty="0">
@@ -37966,12 +38958,15 @@
                 <a:latin typeface="微軟正黑體" panose="020B0604030504040204" pitchFamily="34" charset="-120"/>
                 <a:ea typeface="微軟正黑體" panose="020B0604030504040204" pitchFamily="34" charset="-120"/>
               </a:rPr>
-              <a:t>，藍芽模組可做遙控功能</a:t>
+              <a:t>，藍芽模組可做遙控功能，板上也有蜂鳴器、</a:t>
             </a:r>
-            <a:endParaRPr lang="en-US" altLang="zh-TW" sz="3200" dirty="0">
-              <a:latin typeface="微軟正黑體" panose="020B0604030504040204" pitchFamily="34" charset="-120"/>
-              <a:ea typeface="微軟正黑體" panose="020B0604030504040204" pitchFamily="34" charset="-120"/>
-            </a:endParaRPr>
+            <a:r>
+              <a:rPr lang="en-US" altLang="zh-TW" sz="3200" dirty="0">
+                <a:latin typeface="微軟正黑體" panose="020B0604030504040204" pitchFamily="34" charset="-120"/>
+                <a:ea typeface="微軟正黑體" panose="020B0604030504040204" pitchFamily="34" charset="-120"/>
+              </a:rPr>
+              <a:t>LED</a:t>
+            </a:r>
           </a:p>
         </p:txBody>
       </p:sp>
@@ -38108,7 +39103,7 @@
             <p:nvPr/>
           </p:nvPicPr>
           <p:blipFill>
-            <a:blip r:embed="rId2">
+            <a:blip r:embed="rId3">
               <a:extLst>
                 <a:ext uri="{28A0092B-C50C-407E-A947-70E740481C1C}">
                   <a14:useLocalDpi xmlns:a14="http://schemas.microsoft.com/office/drawing/2010/main" val="0"/>
@@ -38144,7 +39139,7 @@
             <p:nvPr/>
           </p:nvPicPr>
           <p:blipFill>
-            <a:blip r:embed="rId3">
+            <a:blip r:embed="rId4">
               <a:extLst>
                 <a:ext uri="{28A0092B-C50C-407E-A947-70E740481C1C}">
                   <a14:useLocalDpi xmlns:a14="http://schemas.microsoft.com/office/drawing/2010/main" val="0"/>
@@ -38181,7 +39176,7 @@
           <p:nvPr/>
         </p:nvPicPr>
         <p:blipFill rotWithShape="1">
-          <a:blip r:embed="rId4" cstate="print">
+          <a:blip r:embed="rId5" cstate="print">
             <a:extLst>
               <a:ext uri="{28A0092B-C50C-407E-A947-70E740481C1C}">
                 <a14:useLocalDpi xmlns:a14="http://schemas.microsoft.com/office/drawing/2010/main" val="0"/>
@@ -38281,7 +39276,7 @@
             <p:ph idx="1"/>
             <p:extLst>
               <p:ext uri="{D42A27DB-BD31-4B8C-83A1-F6EECF244321}">
-                <p14:modId xmlns:p14="http://schemas.microsoft.com/office/powerpoint/2010/main" val="4109482838"/>
+                <p14:modId xmlns:p14="http://schemas.microsoft.com/office/powerpoint/2010/main" val="245920803"/>
               </p:ext>
             </p:extLst>
           </p:nvPr>
@@ -38431,6 +39426,28 @@
                         </a:rPr>
                         <a:t>主控板</a:t>
                       </a:r>
+                      <a:r>
+                        <a:rPr lang="en-US" altLang="zh-TW" sz="2800" kern="1200" dirty="0">
+                          <a:solidFill>
+                            <a:schemeClr val="dk1"/>
+                          </a:solidFill>
+                          <a:latin typeface="+mn-lt"/>
+                          <a:ea typeface="+mn-ea"/>
+                          <a:cs typeface="+mn-cs"/>
+                        </a:rPr>
+                        <a:t>+</a:t>
+                      </a:r>
+                      <a:r>
+                        <a:rPr lang="zh-TW" altLang="en-US" sz="2800" kern="1200" dirty="0">
+                          <a:solidFill>
+                            <a:schemeClr val="dk1"/>
+                          </a:solidFill>
+                          <a:latin typeface="+mn-lt"/>
+                          <a:ea typeface="+mn-ea"/>
+                          <a:cs typeface="+mn-cs"/>
+                        </a:rPr>
+                        <a:t>保護殼</a:t>
+                      </a:r>
                       <a:endParaRPr lang="en-US" altLang="zh-TW" sz="2800" kern="1200" dirty="0">
                         <a:solidFill>
                           <a:schemeClr val="dk1"/>
@@ -38549,7 +39566,7 @@
                           <a:ea typeface="+mn-ea"/>
                           <a:cs typeface="+mn-cs"/>
                         </a:rPr>
-                        <a:t>保護殼</a:t>
+                        <a:t>電池盒</a:t>
                       </a:r>
                       <a:endParaRPr lang="zh-TW" altLang="en-US" sz="2800" dirty="0">
                         <a:latin typeface="微軟正黑體" panose="020B0604030504040204" pitchFamily="34" charset="-120"/>
@@ -38677,7 +39694,7 @@
                           <a:ea typeface="+mn-ea"/>
                           <a:cs typeface="+mn-cs"/>
                         </a:rPr>
-                        <a:t>電池</a:t>
+                        <a:t>紅外線循跡模組</a:t>
                       </a:r>
                       <a:endParaRPr lang="zh-TW" altLang="en-US" sz="2800" dirty="0">
                         <a:latin typeface="微軟正黑體" panose="020B0604030504040204" pitchFamily="34" charset="-120"/>
@@ -38829,7 +39846,7 @@
                           <a:ea typeface="+mn-ea"/>
                           <a:cs typeface="+mn-cs"/>
                         </a:rPr>
-                        <a:t>紅外線循跡模組</a:t>
+                        <a:t>超音波避障模組</a:t>
                       </a:r>
                       <a:endParaRPr lang="zh-TW" altLang="en-US" sz="2800" dirty="0">
                         <a:latin typeface="微軟正黑體" panose="020B0604030504040204" pitchFamily="34" charset="-120"/>
@@ -38926,6 +39943,34 @@
                     <a:bodyPr/>
                     <a:lstStyle/>
                     <a:p>
+                      <a:pPr marL="0" marR="0" lvl="0" indent="0" algn="l" defTabSz="914400" rtl="0" eaLnBrk="1" fontAlgn="auto" latinLnBrk="0" hangingPunct="1">
+                        <a:lnSpc>
+                          <a:spcPct val="100000"/>
+                        </a:lnSpc>
+                        <a:spcBef>
+                          <a:spcPts val="0"/>
+                        </a:spcBef>
+                        <a:spcAft>
+                          <a:spcPts val="0"/>
+                        </a:spcAft>
+                        <a:buClrTx/>
+                        <a:buSzTx/>
+                        <a:buFontTx/>
+                        <a:buNone/>
+                        <a:tabLst/>
+                        <a:defRPr/>
+                      </a:pPr>
+                      <a:r>
+                        <a:rPr lang="en-US" altLang="zh-TW" sz="2800" kern="1200" dirty="0">
+                          <a:solidFill>
+                            <a:schemeClr val="dk1"/>
+                          </a:solidFill>
+                          <a:latin typeface="+mn-lt"/>
+                          <a:ea typeface="+mn-ea"/>
+                          <a:cs typeface="+mn-cs"/>
+                        </a:rPr>
+                        <a:t>TT</a:t>
+                      </a:r>
                       <a:r>
                         <a:rPr lang="zh-TW" altLang="en-US" sz="2800" kern="1200" dirty="0">
                           <a:solidFill>
@@ -38935,11 +39980,15 @@
                           <a:ea typeface="+mn-ea"/>
                           <a:cs typeface="+mn-cs"/>
                         </a:rPr>
-                        <a:t>超音波避障模組</a:t>
+                        <a:t>馬達</a:t>
                       </a:r>
-                      <a:endParaRPr lang="zh-TW" altLang="en-US" sz="2800" dirty="0">
-                        <a:latin typeface="微軟正黑體" panose="020B0604030504040204" pitchFamily="34" charset="-120"/>
-                        <a:ea typeface="微軟正黑體" panose="020B0604030504040204" pitchFamily="34" charset="-120"/>
+                      <a:endParaRPr lang="en-US" altLang="zh-TW" sz="2800" kern="1200" dirty="0">
+                        <a:solidFill>
+                          <a:schemeClr val="dk1"/>
+                        </a:solidFill>
+                        <a:latin typeface="+mn-lt"/>
+                        <a:ea typeface="+mn-ea"/>
+                        <a:cs typeface="+mn-cs"/>
                       </a:endParaRPr>
                     </a:p>
                   </a:txBody>
@@ -38955,7 +40004,7 @@
                           <a:latin typeface="微軟正黑體" panose="020B0604030504040204" pitchFamily="34" charset="-120"/>
                           <a:ea typeface="微軟正黑體" panose="020B0604030504040204" pitchFamily="34" charset="-120"/>
                         </a:rPr>
-                        <a:t>1</a:t>
+                        <a:t>2</a:t>
                       </a:r>
                       <a:endParaRPr lang="zh-TW" altLang="en-US" sz="2800" dirty="0">
                         <a:latin typeface="微軟正黑體" panose="020B0604030504040204" pitchFamily="34" charset="-120"/>
@@ -39045,125 +40094,6 @@
                 <a:extLst>
                   <a:ext uri="{0D108BD9-81ED-4DB2-BD59-A6C34878D82A}">
                     <a16:rowId xmlns:a16="http://schemas.microsoft.com/office/drawing/2014/main" val="2591699432"/>
-                  </a:ext>
-                </a:extLst>
-              </a:tr>
-              <a:tr h="370840">
-                <a:tc>
-                  <a:txBody>
-                    <a:bodyPr/>
-                    <a:lstStyle/>
-                    <a:p>
-                      <a:pPr marL="0" marR="0" lvl="0" indent="0" algn="l" defTabSz="914400" rtl="0" eaLnBrk="1" fontAlgn="auto" latinLnBrk="0" hangingPunct="1">
-                        <a:lnSpc>
-                          <a:spcPct val="100000"/>
-                        </a:lnSpc>
-                        <a:spcBef>
-                          <a:spcPts val="0"/>
-                        </a:spcBef>
-                        <a:spcAft>
-                          <a:spcPts val="0"/>
-                        </a:spcAft>
-                        <a:buClrTx/>
-                        <a:buSzTx/>
-                        <a:buFontTx/>
-                        <a:buNone/>
-                        <a:tabLst/>
-                        <a:defRPr/>
-                      </a:pPr>
-                      <a:r>
-                        <a:rPr lang="en-US" altLang="zh-TW" sz="2800" kern="1200" dirty="0">
-                          <a:solidFill>
-                            <a:schemeClr val="dk1"/>
-                          </a:solidFill>
-                          <a:latin typeface="+mn-lt"/>
-                          <a:ea typeface="+mn-ea"/>
-                          <a:cs typeface="+mn-cs"/>
-                        </a:rPr>
-                        <a:t>TT</a:t>
-                      </a:r>
-                      <a:r>
-                        <a:rPr lang="zh-TW" altLang="en-US" sz="2800" kern="1200" dirty="0">
-                          <a:solidFill>
-                            <a:schemeClr val="dk1"/>
-                          </a:solidFill>
-                          <a:latin typeface="+mn-lt"/>
-                          <a:ea typeface="+mn-ea"/>
-                          <a:cs typeface="+mn-cs"/>
-                        </a:rPr>
-                        <a:t>馬達</a:t>
-                      </a:r>
-                      <a:endParaRPr lang="en-US" altLang="zh-TW" sz="2800" kern="1200" dirty="0">
-                        <a:solidFill>
-                          <a:schemeClr val="dk1"/>
-                        </a:solidFill>
-                        <a:latin typeface="+mn-lt"/>
-                        <a:ea typeface="+mn-ea"/>
-                        <a:cs typeface="+mn-cs"/>
-                      </a:endParaRPr>
-                    </a:p>
-                  </a:txBody>
-                  <a:tcPr/>
-                </a:tc>
-                <a:tc>
-                  <a:txBody>
-                    <a:bodyPr/>
-                    <a:lstStyle/>
-                    <a:p>
-                      <a:r>
-                        <a:rPr lang="en-US" altLang="zh-TW" sz="2800" dirty="0">
-                          <a:latin typeface="微軟正黑體" panose="020B0604030504040204" pitchFamily="34" charset="-120"/>
-                          <a:ea typeface="微軟正黑體" panose="020B0604030504040204" pitchFamily="34" charset="-120"/>
-                        </a:rPr>
-                        <a:t>1</a:t>
-                      </a:r>
-                      <a:endParaRPr lang="zh-TW" altLang="en-US" sz="2800" dirty="0">
-                        <a:latin typeface="微軟正黑體" panose="020B0604030504040204" pitchFamily="34" charset="-120"/>
-                        <a:ea typeface="微軟正黑體" panose="020B0604030504040204" pitchFamily="34" charset="-120"/>
-                      </a:endParaRPr>
-                    </a:p>
-                  </a:txBody>
-                  <a:tcPr/>
-                </a:tc>
-                <a:tc>
-                  <a:txBody>
-                    <a:bodyPr/>
-                    <a:lstStyle/>
-                    <a:p>
-                      <a:r>
-                        <a:rPr lang="zh-TW" altLang="en-US" sz="2800" dirty="0">
-                          <a:latin typeface="微軟正黑體" panose="020B0604030504040204" pitchFamily="34" charset="-120"/>
-                          <a:ea typeface="微軟正黑體" panose="020B0604030504040204" pitchFamily="34" charset="-120"/>
-                        </a:rPr>
-                        <a:t>被動輪</a:t>
-                      </a:r>
-                    </a:p>
-                  </a:txBody>
-                  <a:tcPr/>
-                </a:tc>
-                <a:tc>
-                  <a:txBody>
-                    <a:bodyPr/>
-                    <a:lstStyle/>
-                    <a:p>
-                      <a:r>
-                        <a:rPr lang="en-US" altLang="zh-TW" sz="2800" dirty="0">
-                          <a:latin typeface="微軟正黑體" panose="020B0604030504040204" pitchFamily="34" charset="-120"/>
-                          <a:ea typeface="微軟正黑體" panose="020B0604030504040204" pitchFamily="34" charset="-120"/>
-                        </a:rPr>
-                        <a:t>1</a:t>
-                      </a:r>
-                      <a:endParaRPr lang="zh-TW" altLang="en-US" sz="2800" dirty="0">
-                        <a:latin typeface="微軟正黑體" panose="020B0604030504040204" pitchFamily="34" charset="-120"/>
-                        <a:ea typeface="微軟正黑體" panose="020B0604030504040204" pitchFamily="34" charset="-120"/>
-                      </a:endParaRPr>
-                    </a:p>
-                  </a:txBody>
-                  <a:tcPr/>
-                </a:tc>
-                <a:extLst>
-                  <a:ext uri="{0D108BD9-81ED-4DB2-BD59-A6C34878D82A}">
-                    <a16:rowId xmlns:a16="http://schemas.microsoft.com/office/drawing/2014/main" val="2398692490"/>
                   </a:ext>
                 </a:extLst>
               </a:tr>
@@ -39280,7 +40210,7 @@
                 </a:tc>
                 <a:extLst>
                   <a:ext uri="{0D108BD9-81ED-4DB2-BD59-A6C34878D82A}">
-                    <a16:rowId xmlns:a16="http://schemas.microsoft.com/office/drawing/2014/main" val="1303901736"/>
+                    <a16:rowId xmlns:a16="http://schemas.microsoft.com/office/drawing/2014/main" val="2398692490"/>
                   </a:ext>
                 </a:extLst>
               </a:tr>
@@ -39348,6 +40278,80 @@
                         <a:latin typeface="微軟正黑體" panose="020B0604030504040204" pitchFamily="34" charset="-120"/>
                         <a:ea typeface="微軟正黑體" panose="020B0604030504040204" pitchFamily="34" charset="-120"/>
                       </a:endParaRPr>
+                    </a:p>
+                  </a:txBody>
+                  <a:tcPr/>
+                </a:tc>
+                <a:tc>
+                  <a:txBody>
+                    <a:bodyPr/>
+                    <a:lstStyle/>
+                    <a:p>
+                      <a:r>
+                        <a:rPr lang="en-US" altLang="zh-TW" sz="2800" dirty="0">
+                          <a:latin typeface="微軟正黑體" panose="020B0604030504040204" pitchFamily="34" charset="-120"/>
+                          <a:ea typeface="微軟正黑體" panose="020B0604030504040204" pitchFamily="34" charset="-120"/>
+                        </a:rPr>
+                        <a:t>1</a:t>
+                      </a:r>
+                      <a:endParaRPr lang="zh-TW" altLang="en-US" sz="2800" dirty="0">
+                        <a:latin typeface="微軟正黑體" panose="020B0604030504040204" pitchFamily="34" charset="-120"/>
+                        <a:ea typeface="微軟正黑體" panose="020B0604030504040204" pitchFamily="34" charset="-120"/>
+                      </a:endParaRPr>
+                    </a:p>
+                  </a:txBody>
+                  <a:tcPr/>
+                </a:tc>
+                <a:extLst>
+                  <a:ext uri="{0D108BD9-81ED-4DB2-BD59-A6C34878D82A}">
+                    <a16:rowId xmlns:a16="http://schemas.microsoft.com/office/drawing/2014/main" val="1303901736"/>
+                  </a:ext>
+                </a:extLst>
+              </a:tr>
+              <a:tr h="370840">
+                <a:tc>
+                  <a:txBody>
+                    <a:bodyPr/>
+                    <a:lstStyle/>
+                    <a:p>
+                      <a:r>
+                        <a:rPr lang="en-US" altLang="zh-TW" sz="2800" dirty="0"/>
+                        <a:t>USB</a:t>
+                      </a:r>
+                      <a:r>
+                        <a:rPr lang="zh-TW" altLang="en-US" sz="2800" dirty="0"/>
+                        <a:t>傳輸線</a:t>
+                      </a:r>
+                    </a:p>
+                  </a:txBody>
+                  <a:tcPr/>
+                </a:tc>
+                <a:tc>
+                  <a:txBody>
+                    <a:bodyPr/>
+                    <a:lstStyle/>
+                    <a:p>
+                      <a:r>
+                        <a:rPr lang="en-US" altLang="zh-TW" sz="2800" dirty="0"/>
+                        <a:t>1</a:t>
+                      </a:r>
+                      <a:endParaRPr lang="zh-TW" altLang="en-US" sz="2800" dirty="0"/>
+                    </a:p>
+                  </a:txBody>
+                  <a:tcPr/>
+                </a:tc>
+                <a:tc>
+                  <a:txBody>
+                    <a:bodyPr/>
+                    <a:lstStyle/>
+                    <a:p>
+                      <a:r>
+                        <a:rPr lang="zh-TW" altLang="en-US" sz="2800" dirty="0">
+                          <a:latin typeface="微軟正黑體" panose="020B0604030504040204" pitchFamily="34" charset="-120"/>
+                          <a:ea typeface="微軟正黑體" panose="020B0604030504040204" pitchFamily="34" charset="-120"/>
+                        </a:rPr>
+                        <a:t>被動輪</a:t>
+                      </a:r>
                     </a:p>
                   </a:txBody>
                   <a:tcPr/>
@@ -39630,10 +40634,14 @@
           <a:lstStyle/>
           <a:p>
             <a:r>
-              <a:rPr lang="en-US" altLang="zh-TW" sz="6000" dirty="0"/>
+              <a:rPr lang="en-US" altLang="zh-TW" sz="6000" dirty="0">
+                <a:cs typeface="Arial" panose="020B0604020202020204" pitchFamily="34" charset="0"/>
+              </a:rPr>
               <a:t>Assemble</a:t>
             </a:r>
-            <a:endParaRPr lang="zh-TW" altLang="en-US" sz="6000" dirty="0"/>
+            <a:endParaRPr lang="zh-TW" altLang="en-US" sz="6000" dirty="0">
+              <a:cs typeface="Arial" panose="020B0604020202020204" pitchFamily="34" charset="0"/>
+            </a:endParaRPr>
           </a:p>
         </p:txBody>
       </p:sp>
@@ -39709,6 +40717,9 @@
                 <a:highlight>
                   <a:srgbClr val="00FFFF"/>
                 </a:highlight>
+                <a:latin typeface="+mj-ea"/>
+                <a:ea typeface="+mj-ea"/>
+                <a:cs typeface="Arial" panose="020B0604020202020204" pitchFamily="34" charset="0"/>
               </a:endParaRPr>
             </a:p>
           </p:txBody>
@@ -39749,6 +40760,7 @@
                   </a:solidFill>
                   <a:latin typeface="標楷體" panose="03000509000000000000" pitchFamily="65" charset="-120"/>
                   <a:ea typeface="標楷體" panose="03000509000000000000" pitchFamily="65" charset="-120"/>
+                  <a:cs typeface="Arial" panose="020B0604020202020204" pitchFamily="34" charset="0"/>
                 </a:rPr>
                 <a:t>電機事務所</a:t>
               </a:r>
@@ -39924,8 +40936,9 @@
                 <a:solidFill>
                   <a:schemeClr val="bg1"/>
                 </a:solidFill>
-                <a:latin typeface="+mj-lt"/>
-                <a:ea typeface="標楷體" panose="03000509000000000000" pitchFamily="65" charset="-120"/>
+                <a:latin typeface="+mj-ea"/>
+                <a:ea typeface="+mj-ea"/>
+                <a:cs typeface="Arial" panose="020B0604020202020204" pitchFamily="34" charset="0"/>
               </a:rPr>
               <a:t>工具介紹</a:t>
             </a:r>
@@ -40034,8 +41047,9 @@
                   <a:solidFill>
                     <a:schemeClr val="bg1"/>
                   </a:solidFill>
-                  <a:latin typeface="+mj-lt"/>
-                  <a:ea typeface="標楷體" panose="03000509000000000000" pitchFamily="65" charset="-120"/>
+                  <a:latin typeface="+mj-ea"/>
+                  <a:ea typeface="+mj-ea"/>
+                  <a:cs typeface="Arial" panose="020B0604020202020204" pitchFamily="34" charset="0"/>
                 </a:rPr>
                 <a:t>直流馬達 </a:t>
               </a:r>
@@ -40044,8 +41058,9 @@
                   <a:solidFill>
                     <a:schemeClr val="bg1"/>
                   </a:solidFill>
-                  <a:latin typeface="+mj-lt"/>
-                  <a:ea typeface="標楷體" panose="03000509000000000000" pitchFamily="65" charset="-120"/>
+                  <a:latin typeface="+mj-ea"/>
+                  <a:ea typeface="+mj-ea"/>
+                  <a:cs typeface="Arial" panose="020B0604020202020204" pitchFamily="34" charset="0"/>
                 </a:rPr>
                 <a:t>x1</a:t>
               </a:r>
@@ -40056,8 +41071,9 @@
                   <a:solidFill>
                     <a:schemeClr val="bg1"/>
                   </a:solidFill>
-                  <a:latin typeface="+mj-lt"/>
-                  <a:ea typeface="標楷體" panose="03000509000000000000" pitchFamily="65" charset="-120"/>
+                  <a:latin typeface="+mj-ea"/>
+                  <a:ea typeface="+mj-ea"/>
+                  <a:cs typeface="Arial" panose="020B0604020202020204" pitchFamily="34" charset="0"/>
                 </a:rPr>
                 <a:t>螺帽 </a:t>
               </a:r>
@@ -40066,8 +41082,9 @@
                   <a:solidFill>
                     <a:schemeClr val="bg1"/>
                   </a:solidFill>
-                  <a:latin typeface="+mj-lt"/>
-                  <a:ea typeface="標楷體" panose="03000509000000000000" pitchFamily="65" charset="-120"/>
+                  <a:latin typeface="+mj-ea"/>
+                  <a:ea typeface="+mj-ea"/>
+                  <a:cs typeface="Arial" panose="020B0604020202020204" pitchFamily="34" charset="0"/>
                 </a:rPr>
                 <a:t>x2</a:t>
               </a:r>
@@ -40078,8 +41095,9 @@
                   <a:solidFill>
                     <a:schemeClr val="bg1"/>
                   </a:solidFill>
-                  <a:latin typeface="+mj-lt"/>
-                  <a:ea typeface="標楷體" panose="03000509000000000000" pitchFamily="65" charset="-120"/>
+                  <a:latin typeface="+mj-ea"/>
+                  <a:ea typeface="+mj-ea"/>
+                  <a:cs typeface="Arial" panose="020B0604020202020204" pitchFamily="34" charset="0"/>
                 </a:rPr>
                 <a:t>十字長螺絲 </a:t>
               </a:r>
@@ -40088,8 +41106,9 @@
                   <a:solidFill>
                     <a:schemeClr val="bg1"/>
                   </a:solidFill>
-                  <a:latin typeface="+mj-lt"/>
-                  <a:ea typeface="標楷體" panose="03000509000000000000" pitchFamily="65" charset="-120"/>
+                  <a:latin typeface="+mj-ea"/>
+                  <a:ea typeface="+mj-ea"/>
+                  <a:cs typeface="Arial" panose="020B0604020202020204" pitchFamily="34" charset="0"/>
                 </a:rPr>
                 <a:t>x2</a:t>
               </a:r>
@@ -40100,8 +41119,9 @@
                   <a:solidFill>
                     <a:schemeClr val="bg1"/>
                   </a:solidFill>
-                  <a:latin typeface="+mj-lt"/>
-                  <a:ea typeface="標楷體" panose="03000509000000000000" pitchFamily="65" charset="-120"/>
+                  <a:latin typeface="+mj-ea"/>
+                  <a:ea typeface="+mj-ea"/>
+                  <a:cs typeface="Arial" panose="020B0604020202020204" pitchFamily="34" charset="0"/>
                 </a:rPr>
                 <a:t>(</a:t>
               </a:r>
@@ -40110,8 +41130,9 @@
                   <a:solidFill>
                     <a:schemeClr val="bg1"/>
                   </a:solidFill>
-                  <a:latin typeface="+mj-lt"/>
-                  <a:ea typeface="標楷體" panose="03000509000000000000" pitchFamily="65" charset="-120"/>
+                  <a:latin typeface="+mj-ea"/>
+                  <a:ea typeface="+mj-ea"/>
+                  <a:cs typeface="Arial" panose="020B0604020202020204" pitchFamily="34" charset="0"/>
                 </a:rPr>
                 <a:t>細長螺絲</a:t>
               </a:r>
@@ -40120,8 +41141,9 @@
                   <a:solidFill>
                     <a:schemeClr val="bg1"/>
                   </a:solidFill>
-                  <a:latin typeface="+mj-lt"/>
-                  <a:ea typeface="標楷體" panose="03000509000000000000" pitchFamily="65" charset="-120"/>
+                  <a:latin typeface="+mj-ea"/>
+                  <a:ea typeface="+mj-ea"/>
+                  <a:cs typeface="Arial" panose="020B0604020202020204" pitchFamily="34" charset="0"/>
                 </a:rPr>
                 <a:t>)</a:t>
               </a:r>
@@ -40177,8 +41199,9 @@
                   <a:solidFill>
                     <a:schemeClr val="bg1"/>
                   </a:solidFill>
-                  <a:latin typeface="+mj-lt"/>
-                  <a:ea typeface="標楷體" panose="03000509000000000000" pitchFamily="65" charset="-120"/>
+                  <a:latin typeface="+mj-ea"/>
+                  <a:ea typeface="+mj-ea"/>
+                  <a:cs typeface="Arial" panose="020B0604020202020204" pitchFamily="34" charset="0"/>
                 </a:rPr>
                 <a:t>左馬達安裝</a:t>
               </a:r>
@@ -40284,8 +41307,9 @@
                   <a:solidFill>
                     <a:schemeClr val="bg1"/>
                   </a:solidFill>
-                  <a:latin typeface="+mj-lt"/>
-                  <a:ea typeface="標楷體" panose="03000509000000000000" pitchFamily="65" charset="-120"/>
+                  <a:latin typeface="+mj-ea"/>
+                  <a:ea typeface="+mj-ea"/>
+                  <a:cs typeface="Arial" panose="020B0604020202020204" pitchFamily="34" charset="0"/>
                 </a:rPr>
                 <a:t>右馬達安裝</a:t>
               </a:r>
@@ -40307,10 +41331,10 @@
         </p:nvGrpSpPr>
         <p:grpSpPr>
           <a:xfrm>
-            <a:off x="796808" y="4090749"/>
-            <a:ext cx="4924317" cy="2672945"/>
-            <a:chOff x="-305514" y="3810435"/>
-            <a:chExt cx="4562052" cy="2479827"/>
+            <a:off x="1369156" y="4090749"/>
+            <a:ext cx="4351969" cy="2672945"/>
+            <a:chOff x="224728" y="3810435"/>
+            <a:chExt cx="4031810" cy="2479827"/>
           </a:xfrm>
         </p:grpSpPr>
         <p:sp>
@@ -40362,8 +41386,9 @@
                   <a:solidFill>
                     <a:schemeClr val="bg1"/>
                   </a:solidFill>
-                  <a:latin typeface="+mj-lt"/>
-                  <a:ea typeface="標楷體" panose="03000509000000000000" pitchFamily="65" charset="-120"/>
+                  <a:latin typeface="+mj-ea"/>
+                  <a:ea typeface="+mj-ea"/>
+                  <a:cs typeface="Arial" panose="020B0604020202020204" pitchFamily="34" charset="0"/>
                 </a:rPr>
                 <a:t>輪胎安裝</a:t>
               </a:r>
@@ -40414,8 +41439,8 @@
           </p:nvSpPr>
           <p:spPr>
             <a:xfrm>
-              <a:off x="-305514" y="4242435"/>
-              <a:ext cx="1618156" cy="731451"/>
+              <a:off x="224728" y="4242435"/>
+              <a:ext cx="1087914" cy="731451"/>
             </a:xfrm>
             <a:prstGeom prst="roundRect">
               <a:avLst>
@@ -40452,8 +41477,9 @@
                   <a:solidFill>
                     <a:schemeClr val="bg1"/>
                   </a:solidFill>
-                  <a:latin typeface="+mj-lt"/>
-                  <a:ea typeface="標楷體" panose="03000509000000000000" pitchFamily="65" charset="-120"/>
+                  <a:latin typeface="+mj-ea"/>
+                  <a:ea typeface="+mj-ea"/>
+                  <a:cs typeface="Arial" panose="020B0604020202020204" pitchFamily="34" charset="0"/>
                 </a:rPr>
                 <a:t>輪胎 </a:t>
               </a:r>
@@ -40462,8 +41488,9 @@
                   <a:solidFill>
                     <a:schemeClr val="bg1"/>
                   </a:solidFill>
-                  <a:latin typeface="+mj-lt"/>
-                  <a:ea typeface="標楷體" panose="03000509000000000000" pitchFamily="65" charset="-120"/>
+                  <a:latin typeface="+mj-ea"/>
+                  <a:ea typeface="+mj-ea"/>
+                  <a:cs typeface="Arial" panose="020B0604020202020204" pitchFamily="34" charset="0"/>
                 </a:rPr>
                 <a:t>x2</a:t>
               </a:r>
@@ -40474,8 +41501,9 @@
                   <a:solidFill>
                     <a:schemeClr val="bg1"/>
                   </a:solidFill>
-                  <a:latin typeface="+mj-lt"/>
-                  <a:ea typeface="標楷體" panose="03000509000000000000" pitchFamily="65" charset="-120"/>
+                  <a:latin typeface="+mj-ea"/>
+                  <a:ea typeface="+mj-ea"/>
+                  <a:cs typeface="Arial" panose="020B0604020202020204" pitchFamily="34" charset="0"/>
                 </a:rPr>
                 <a:t>胎皮 </a:t>
               </a:r>
@@ -40484,8 +41512,9 @@
                   <a:solidFill>
                     <a:schemeClr val="bg1"/>
                   </a:solidFill>
-                  <a:latin typeface="+mj-lt"/>
-                  <a:ea typeface="標楷體" panose="03000509000000000000" pitchFamily="65" charset="-120"/>
+                  <a:latin typeface="+mj-ea"/>
+                  <a:ea typeface="+mj-ea"/>
+                  <a:cs typeface="Arial" panose="020B0604020202020204" pitchFamily="34" charset="0"/>
                 </a:rPr>
                 <a:t>x2</a:t>
               </a:r>
@@ -40545,8 +41574,9 @@
                 <a:solidFill>
                   <a:schemeClr val="bg1"/>
                 </a:solidFill>
-                <a:latin typeface="+mj-lt"/>
-                <a:ea typeface="標楷體" panose="03000509000000000000" pitchFamily="65" charset="-120"/>
+                <a:latin typeface="+mj-ea"/>
+                <a:ea typeface="+mj-ea"/>
+                <a:cs typeface="Arial" panose="020B0604020202020204" pitchFamily="34" charset="0"/>
               </a:rPr>
               <a:t>螺絲起子 </a:t>
             </a:r>
@@ -40555,30 +41585,11 @@
                 <a:solidFill>
                   <a:schemeClr val="bg1"/>
                 </a:solidFill>
-                <a:latin typeface="+mj-lt"/>
-                <a:ea typeface="標楷體" panose="03000509000000000000" pitchFamily="65" charset="-120"/>
+                <a:latin typeface="+mj-ea"/>
+                <a:ea typeface="+mj-ea"/>
+                <a:cs typeface="Arial" panose="020B0604020202020204" pitchFamily="34" charset="0"/>
               </a:rPr>
-              <a:t>x</a:t>
-            </a:r>
-            <a:r>
-              <a:rPr lang="zh-TW" altLang="en-US" sz="2400" dirty="0">
-                <a:solidFill>
-                  <a:schemeClr val="bg1"/>
-                </a:solidFill>
-                <a:latin typeface="+mj-lt"/>
-                <a:ea typeface="標楷體" panose="03000509000000000000" pitchFamily="65" charset="-120"/>
-              </a:rPr>
-              <a:t> </a:t>
-            </a:r>
-            <a:r>
-              <a:rPr lang="en-US" altLang="zh-TW" sz="2400" dirty="0">
-                <a:solidFill>
-                  <a:schemeClr val="bg1"/>
-                </a:solidFill>
-                <a:latin typeface="+mj-lt"/>
-                <a:ea typeface="標楷體" panose="03000509000000000000" pitchFamily="65" charset="-120"/>
-              </a:rPr>
-              <a:t>1</a:t>
+              <a:t>x1</a:t>
             </a:r>
           </a:p>
         </p:txBody>
@@ -40610,10 +41621,18 @@
           <a:lstStyle/>
           <a:p>
             <a:fld id="{79DEFDF4-75C2-4146-8B24-E01F1736E19C}" type="slidenum">
-              <a:rPr lang="zh-TW" altLang="en-US" smtClean="0"/>
+              <a:rPr lang="zh-TW" altLang="en-US" smtClean="0">
+                <a:latin typeface="+mj-ea"/>
+                <a:ea typeface="+mj-ea"/>
+                <a:cs typeface="Arial" panose="020B0604020202020204" pitchFamily="34" charset="0"/>
+              </a:rPr>
               <a:t>5</a:t>
             </a:fld>
-            <a:endParaRPr lang="zh-TW" altLang="en-US"/>
+            <a:endParaRPr lang="zh-TW" altLang="en-US">
+              <a:latin typeface="+mj-ea"/>
+              <a:ea typeface="+mj-ea"/>
+              <a:cs typeface="Arial" panose="020B0604020202020204" pitchFamily="34" charset="0"/>
+            </a:endParaRPr>
           </a:p>
         </p:txBody>
       </p:sp>
@@ -40630,7 +41649,7 @@
           <p:nvPr>
             <p:extLst>
               <p:ext uri="{D42A27DB-BD31-4B8C-83A1-F6EECF244321}">
-                <p14:modId xmlns:p14="http://schemas.microsoft.com/office/powerpoint/2010/main" val="2540072375"/>
+                <p14:modId xmlns:p14="http://schemas.microsoft.com/office/powerpoint/2010/main" val="3365763710"/>
               </p:ext>
             </p:extLst>
           </p:nvPr>
@@ -40791,8 +41810,9 @@
                 <a:solidFill>
                   <a:schemeClr val="bg1"/>
                 </a:solidFill>
-                <a:latin typeface="+mj-lt"/>
-                <a:ea typeface="標楷體" panose="03000509000000000000" pitchFamily="65" charset="-120"/>
+                <a:latin typeface="+mj-ea"/>
+                <a:ea typeface="+mj-ea"/>
+                <a:cs typeface="Arial" panose="020B0604020202020204" pitchFamily="34" charset="0"/>
               </a:rPr>
               <a:t>直流馬達 </a:t>
             </a:r>
@@ -40801,8 +41821,9 @@
                 <a:solidFill>
                   <a:schemeClr val="bg1"/>
                 </a:solidFill>
-                <a:latin typeface="+mj-lt"/>
-                <a:ea typeface="標楷體" panose="03000509000000000000" pitchFamily="65" charset="-120"/>
+                <a:latin typeface="+mj-ea"/>
+                <a:ea typeface="+mj-ea"/>
+                <a:cs typeface="Arial" panose="020B0604020202020204" pitchFamily="34" charset="0"/>
               </a:rPr>
               <a:t>x1</a:t>
             </a:r>
@@ -40813,8 +41834,9 @@
                 <a:solidFill>
                   <a:schemeClr val="bg1"/>
                 </a:solidFill>
-                <a:latin typeface="+mj-lt"/>
-                <a:ea typeface="標楷體" panose="03000509000000000000" pitchFamily="65" charset="-120"/>
+                <a:latin typeface="+mj-ea"/>
+                <a:ea typeface="+mj-ea"/>
+                <a:cs typeface="Arial" panose="020B0604020202020204" pitchFamily="34" charset="0"/>
               </a:rPr>
               <a:t>螺帽 </a:t>
             </a:r>
@@ -40823,8 +41845,9 @@
                 <a:solidFill>
                   <a:schemeClr val="bg1"/>
                 </a:solidFill>
-                <a:latin typeface="+mj-lt"/>
-                <a:ea typeface="標楷體" panose="03000509000000000000" pitchFamily="65" charset="-120"/>
+                <a:latin typeface="+mj-ea"/>
+                <a:ea typeface="+mj-ea"/>
+                <a:cs typeface="Arial" panose="020B0604020202020204" pitchFamily="34" charset="0"/>
               </a:rPr>
               <a:t>x2</a:t>
             </a:r>
@@ -40835,8 +41858,9 @@
                 <a:solidFill>
                   <a:schemeClr val="bg1"/>
                 </a:solidFill>
-                <a:latin typeface="+mj-lt"/>
-                <a:ea typeface="標楷體" panose="03000509000000000000" pitchFamily="65" charset="-120"/>
+                <a:latin typeface="+mj-ea"/>
+                <a:ea typeface="+mj-ea"/>
+                <a:cs typeface="Arial" panose="020B0604020202020204" pitchFamily="34" charset="0"/>
               </a:rPr>
               <a:t>十字長螺絲 </a:t>
             </a:r>
@@ -40845,8 +41869,9 @@
                 <a:solidFill>
                   <a:schemeClr val="bg1"/>
                 </a:solidFill>
-                <a:latin typeface="+mj-lt"/>
-                <a:ea typeface="標楷體" panose="03000509000000000000" pitchFamily="65" charset="-120"/>
+                <a:latin typeface="+mj-ea"/>
+                <a:ea typeface="+mj-ea"/>
+                <a:cs typeface="Arial" panose="020B0604020202020204" pitchFamily="34" charset="0"/>
               </a:rPr>
               <a:t>x2</a:t>
             </a:r>
@@ -40857,8 +41882,9 @@
                 <a:solidFill>
                   <a:schemeClr val="bg1"/>
                 </a:solidFill>
-                <a:latin typeface="+mj-lt"/>
-                <a:ea typeface="標楷體" panose="03000509000000000000" pitchFamily="65" charset="-120"/>
+                <a:latin typeface="+mj-ea"/>
+                <a:ea typeface="+mj-ea"/>
+                <a:cs typeface="Arial" panose="020B0604020202020204" pitchFamily="34" charset="0"/>
               </a:rPr>
               <a:t>(</a:t>
             </a:r>
@@ -40867,8 +41893,9 @@
                 <a:solidFill>
                   <a:schemeClr val="bg1"/>
                 </a:solidFill>
-                <a:latin typeface="+mj-lt"/>
-                <a:ea typeface="標楷體" panose="03000509000000000000" pitchFamily="65" charset="-120"/>
+                <a:latin typeface="+mj-ea"/>
+                <a:ea typeface="+mj-ea"/>
+                <a:cs typeface="Arial" panose="020B0604020202020204" pitchFamily="34" charset="0"/>
               </a:rPr>
               <a:t>細長螺絲</a:t>
             </a:r>
@@ -40877,8 +41904,9 @@
                 <a:solidFill>
                   <a:schemeClr val="bg1"/>
                 </a:solidFill>
-                <a:latin typeface="+mj-lt"/>
-                <a:ea typeface="標楷體" panose="03000509000000000000" pitchFamily="65" charset="-120"/>
+                <a:latin typeface="+mj-ea"/>
+                <a:ea typeface="+mj-ea"/>
+                <a:cs typeface="Arial" panose="020B0604020202020204" pitchFamily="34" charset="0"/>
               </a:rPr>
               <a:t>)</a:t>
             </a:r>
@@ -40942,10 +41970,14 @@
           <a:lstStyle/>
           <a:p>
             <a:r>
-              <a:rPr lang="en-US" altLang="zh-TW" sz="6000" dirty="0"/>
+              <a:rPr lang="en-US" altLang="zh-TW" sz="6000" dirty="0">
+                <a:ea typeface="+mn-ea"/>
+              </a:rPr>
               <a:t>Assemble</a:t>
             </a:r>
-            <a:endParaRPr lang="zh-TW" altLang="en-US" sz="6000" dirty="0"/>
+            <a:endParaRPr lang="zh-TW" altLang="en-US" sz="6000" dirty="0">
+              <a:ea typeface="+mn-ea"/>
+            </a:endParaRPr>
           </a:p>
         </p:txBody>
       </p:sp>
@@ -41021,6 +42053,7 @@
                 <a:highlight>
                   <a:srgbClr val="00FFFF"/>
                 </a:highlight>
+                <a:latin typeface="+mj-lt"/>
               </a:endParaRPr>
             </a:p>
           </p:txBody>
@@ -41237,7 +42270,6 @@
                   <a:schemeClr val="bg1"/>
                 </a:solidFill>
                 <a:latin typeface="+mj-lt"/>
-                <a:ea typeface="標楷體" panose="03000509000000000000" pitchFamily="65" charset="-120"/>
               </a:rPr>
               <a:t>十字攻牙螺絲 </a:t>
             </a:r>
@@ -41247,7 +42279,6 @@
                   <a:schemeClr val="bg1"/>
                 </a:solidFill>
                 <a:latin typeface="+mj-lt"/>
-                <a:ea typeface="標楷體" panose="03000509000000000000" pitchFamily="65" charset="-120"/>
               </a:rPr>
               <a:t>x</a:t>
             </a:r>
@@ -41257,7 +42288,6 @@
                   <a:schemeClr val="bg1"/>
                 </a:solidFill>
                 <a:latin typeface="+mj-lt"/>
-                <a:ea typeface="標楷體" panose="03000509000000000000" pitchFamily="65" charset="-120"/>
               </a:rPr>
               <a:t> </a:t>
             </a:r>
@@ -41267,20 +42297,17 @@
                   <a:schemeClr val="bg1"/>
                 </a:solidFill>
                 <a:latin typeface="+mj-lt"/>
-                <a:ea typeface="標楷體" panose="03000509000000000000" pitchFamily="65" charset="-120"/>
               </a:rPr>
               <a:t>2</a:t>
             </a:r>
           </a:p>
           <a:p>
-            <a:pPr algn="ctr"/>
             <a:r>
               <a:rPr lang="en-US" altLang="zh-TW" sz="2400" dirty="0">
                 <a:solidFill>
                   <a:schemeClr val="bg1"/>
                 </a:solidFill>
                 <a:latin typeface="+mj-lt"/>
-                <a:ea typeface="標楷體" panose="03000509000000000000" pitchFamily="65" charset="-120"/>
               </a:rPr>
               <a:t>(</a:t>
             </a:r>
@@ -41290,7 +42317,6 @@
                   <a:schemeClr val="bg1"/>
                 </a:solidFill>
                 <a:latin typeface="+mj-lt"/>
-                <a:ea typeface="標楷體" panose="03000509000000000000" pitchFamily="65" charset="-120"/>
               </a:rPr>
               <a:t>短細螺絲</a:t>
             </a:r>
@@ -41300,7 +42326,6 @@
                   <a:schemeClr val="bg1"/>
                 </a:solidFill>
                 <a:latin typeface="+mj-lt"/>
-                <a:ea typeface="標楷體" panose="03000509000000000000" pitchFamily="65" charset="-120"/>
               </a:rPr>
               <a:t>)</a:t>
             </a:r>
@@ -41357,7 +42382,6 @@
                   <a:schemeClr val="bg1"/>
                 </a:solidFill>
                 <a:latin typeface="+mj-lt"/>
-                <a:ea typeface="標楷體" panose="03000509000000000000" pitchFamily="65" charset="-120"/>
               </a:rPr>
               <a:t>輪胎安裝</a:t>
             </a:r>
@@ -41449,7 +42473,6 @@
                   <a:schemeClr val="bg1"/>
                 </a:solidFill>
                 <a:latin typeface="+mj-lt"/>
-                <a:ea typeface="標楷體" panose="03000509000000000000" pitchFamily="65" charset="-120"/>
               </a:rPr>
               <a:t>循跡感應器安裝</a:t>
             </a:r>
@@ -41509,7 +42532,6 @@
                   <a:schemeClr val="bg1"/>
                 </a:solidFill>
                 <a:latin typeface="+mj-lt"/>
-                <a:ea typeface="標楷體" panose="03000509000000000000" pitchFamily="65" charset="-120"/>
               </a:rPr>
               <a:t>循跡感應器 </a:t>
             </a:r>
@@ -41519,7 +42541,6 @@
                   <a:schemeClr val="bg1"/>
                 </a:solidFill>
                 <a:latin typeface="+mj-lt"/>
-                <a:ea typeface="標楷體" panose="03000509000000000000" pitchFamily="65" charset="-120"/>
               </a:rPr>
               <a:t>x</a:t>
             </a:r>
@@ -41529,7 +42550,6 @@
                   <a:schemeClr val="bg1"/>
                 </a:solidFill>
                 <a:latin typeface="+mj-lt"/>
-                <a:ea typeface="標楷體" panose="03000509000000000000" pitchFamily="65" charset="-120"/>
               </a:rPr>
               <a:t> </a:t>
             </a:r>
@@ -41539,7 +42559,6 @@
                   <a:schemeClr val="bg1"/>
                 </a:solidFill>
                 <a:latin typeface="+mj-lt"/>
-                <a:ea typeface="標楷體" panose="03000509000000000000" pitchFamily="65" charset="-120"/>
               </a:rPr>
               <a:t>1</a:t>
             </a:r>
@@ -41551,7 +42570,6 @@
                   <a:schemeClr val="bg1"/>
                 </a:solidFill>
                 <a:latin typeface="+mj-lt"/>
-                <a:ea typeface="標楷體" panose="03000509000000000000" pitchFamily="65" charset="-120"/>
               </a:rPr>
               <a:t>被動輪 </a:t>
             </a:r>
@@ -41561,7 +42579,6 @@
                   <a:schemeClr val="bg1"/>
                 </a:solidFill>
                 <a:latin typeface="+mj-lt"/>
-                <a:ea typeface="標楷體" panose="03000509000000000000" pitchFamily="65" charset="-120"/>
               </a:rPr>
               <a:t>x 1</a:t>
             </a:r>
@@ -41573,7 +42590,6 @@
                   <a:schemeClr val="bg1"/>
                 </a:solidFill>
                 <a:latin typeface="+mj-lt"/>
-                <a:ea typeface="標楷體" panose="03000509000000000000" pitchFamily="65" charset="-120"/>
               </a:rPr>
               <a:t>內六角螺絲 </a:t>
             </a:r>
@@ -41583,7 +42599,6 @@
                   <a:schemeClr val="bg1"/>
                 </a:solidFill>
                 <a:latin typeface="+mj-lt"/>
-                <a:ea typeface="標楷體" panose="03000509000000000000" pitchFamily="65" charset="-120"/>
               </a:rPr>
               <a:t>x 2</a:t>
             </a:r>
@@ -41595,7 +42610,6 @@
                   <a:schemeClr val="bg1"/>
                 </a:solidFill>
                 <a:latin typeface="+mj-lt"/>
-                <a:ea typeface="標楷體" panose="03000509000000000000" pitchFamily="65" charset="-120"/>
               </a:rPr>
               <a:t>(</a:t>
             </a:r>
@@ -41605,7 +42619,6 @@
                   <a:schemeClr val="bg1"/>
                 </a:solidFill>
                 <a:latin typeface="+mj-lt"/>
-                <a:ea typeface="標楷體" panose="03000509000000000000" pitchFamily="65" charset="-120"/>
               </a:rPr>
               <a:t>短粗螺絲</a:t>
             </a:r>
@@ -41615,7 +42628,6 @@
                   <a:schemeClr val="bg1"/>
                 </a:solidFill>
                 <a:latin typeface="+mj-lt"/>
-                <a:ea typeface="標楷體" panose="03000509000000000000" pitchFamily="65" charset="-120"/>
               </a:rPr>
               <a:t>)</a:t>
             </a:r>
@@ -41710,7 +42722,6 @@
                   <a:schemeClr val="bg1"/>
                 </a:solidFill>
                 <a:latin typeface="+mj-lt"/>
-                <a:ea typeface="標楷體" panose="03000509000000000000" pitchFamily="65" charset="-120"/>
               </a:rPr>
               <a:t>超音波感應器 </a:t>
             </a:r>
@@ -41720,7 +42731,6 @@
                   <a:schemeClr val="bg1"/>
                 </a:solidFill>
                 <a:latin typeface="+mj-lt"/>
-                <a:ea typeface="標楷體" panose="03000509000000000000" pitchFamily="65" charset="-120"/>
               </a:rPr>
               <a:t>x</a:t>
             </a:r>
@@ -41730,7 +42740,6 @@
                   <a:schemeClr val="bg1"/>
                 </a:solidFill>
                 <a:latin typeface="+mj-lt"/>
-                <a:ea typeface="標楷體" panose="03000509000000000000" pitchFamily="65" charset="-120"/>
               </a:rPr>
               <a:t> </a:t>
             </a:r>
@@ -41740,7 +42749,6 @@
                   <a:schemeClr val="bg1"/>
                 </a:solidFill>
                 <a:latin typeface="+mj-lt"/>
-                <a:ea typeface="標楷體" panose="03000509000000000000" pitchFamily="65" charset="-120"/>
               </a:rPr>
               <a:t>1</a:t>
             </a:r>
@@ -41752,7 +42760,6 @@
                   <a:schemeClr val="bg1"/>
                 </a:solidFill>
                 <a:latin typeface="+mj-lt"/>
-                <a:ea typeface="標楷體" panose="03000509000000000000" pitchFamily="65" charset="-120"/>
               </a:rPr>
               <a:t>內六角螺絲 </a:t>
             </a:r>
@@ -41762,7 +42769,6 @@
                   <a:schemeClr val="bg1"/>
                 </a:solidFill>
                 <a:latin typeface="+mj-lt"/>
-                <a:ea typeface="標楷體" panose="03000509000000000000" pitchFamily="65" charset="-120"/>
               </a:rPr>
               <a:t>x 2</a:t>
             </a:r>
@@ -41774,7 +42780,6 @@
                   <a:schemeClr val="bg1"/>
                 </a:solidFill>
                 <a:latin typeface="+mj-lt"/>
-                <a:ea typeface="標楷體" panose="03000509000000000000" pitchFamily="65" charset="-120"/>
               </a:rPr>
               <a:t>(</a:t>
             </a:r>
@@ -41784,7 +42789,6 @@
                   <a:schemeClr val="bg1"/>
                 </a:solidFill>
                 <a:latin typeface="+mj-lt"/>
-                <a:ea typeface="標楷體" panose="03000509000000000000" pitchFamily="65" charset="-120"/>
               </a:rPr>
               <a:t>短粗螺絲</a:t>
             </a:r>
@@ -41794,7 +42798,6 @@
                   <a:schemeClr val="bg1"/>
                 </a:solidFill>
                 <a:latin typeface="+mj-lt"/>
-                <a:ea typeface="標楷體" panose="03000509000000000000" pitchFamily="65" charset="-120"/>
               </a:rPr>
               <a:t>)</a:t>
             </a:r>
@@ -41851,7 +42854,6 @@
                   <a:schemeClr val="bg1"/>
                 </a:solidFill>
                 <a:latin typeface="+mj-lt"/>
-                <a:ea typeface="標楷體" panose="03000509000000000000" pitchFamily="65" charset="-120"/>
               </a:rPr>
               <a:t>超音波感應器安裝</a:t>
             </a:r>
@@ -41943,7 +42945,6 @@
                   <a:schemeClr val="bg1"/>
                 </a:solidFill>
                 <a:latin typeface="+mj-lt"/>
-                <a:ea typeface="標楷體" panose="03000509000000000000" pitchFamily="65" charset="-120"/>
               </a:rPr>
               <a:t>銅柱安裝</a:t>
             </a:r>
@@ -41964,8 +42965,8 @@
         </p:nvSpPr>
         <p:spPr>
           <a:xfrm>
-            <a:off x="1390467" y="4674698"/>
-            <a:ext cx="1447906" cy="468000"/>
+            <a:off x="1553497" y="4674698"/>
+            <a:ext cx="1284876" cy="468000"/>
           </a:xfrm>
           <a:prstGeom prst="roundRect">
             <a:avLst>
@@ -42003,7 +43004,6 @@
                   <a:schemeClr val="bg1"/>
                 </a:solidFill>
                 <a:latin typeface="+mj-lt"/>
-                <a:ea typeface="標楷體" panose="03000509000000000000" pitchFamily="65" charset="-120"/>
               </a:rPr>
               <a:t>銅柱 </a:t>
             </a:r>
@@ -42013,29 +43013,8 @@
                   <a:schemeClr val="bg1"/>
                 </a:solidFill>
                 <a:latin typeface="+mj-lt"/>
-                <a:ea typeface="標楷體" panose="03000509000000000000" pitchFamily="65" charset="-120"/>
               </a:rPr>
-              <a:t>x</a:t>
-            </a:r>
-            <a:r>
-              <a:rPr lang="zh-TW" altLang="en-US" sz="2400" dirty="0">
-                <a:solidFill>
-                  <a:schemeClr val="bg1"/>
-                </a:solidFill>
-                <a:latin typeface="+mj-lt"/>
-                <a:ea typeface="標楷體" panose="03000509000000000000" pitchFamily="65" charset="-120"/>
-              </a:rPr>
-              <a:t> </a:t>
-            </a:r>
-            <a:r>
-              <a:rPr lang="en-US" altLang="zh-TW" sz="2400" dirty="0">
-                <a:solidFill>
-                  <a:schemeClr val="bg1"/>
-                </a:solidFill>
-                <a:latin typeface="+mj-lt"/>
-                <a:ea typeface="標楷體" panose="03000509000000000000" pitchFamily="65" charset="-120"/>
-              </a:rPr>
-              <a:t>4</a:t>
+              <a:t>x4</a:t>
             </a:r>
           </a:p>
         </p:txBody>
@@ -42050,7 +43029,13 @@
             </a:extLst>
           </p:cNvPr>
           <p:cNvGraphicFramePr/>
-          <p:nvPr/>
+          <p:nvPr>
+            <p:extLst>
+              <p:ext uri="{D42A27DB-BD31-4B8C-83A1-F6EECF244321}">
+                <p14:modId xmlns:p14="http://schemas.microsoft.com/office/powerpoint/2010/main" val="3113459236"/>
+              </p:ext>
+            </p:extLst>
+          </p:nvPr>
         </p:nvGraphicFramePr>
         <p:xfrm>
           <a:off x="5221138" y="3166698"/>
@@ -42290,6 +43275,7 @@
                 <a:highlight>
                   <a:srgbClr val="00FFFF"/>
                 </a:highlight>
+                <a:latin typeface="+mn-ea"/>
               </a:endParaRPr>
             </a:p>
           </p:txBody>
@@ -42440,8 +43426,8 @@
         </p:blipFill>
         <p:spPr>
           <a:xfrm>
-            <a:off x="6823705" y="1008568"/>
-            <a:ext cx="2665309" cy="2269753"/>
+            <a:off x="6757542" y="4266348"/>
+            <a:ext cx="2806938" cy="2390363"/>
           </a:xfrm>
           <a:prstGeom prst="rect">
             <a:avLst/>
@@ -42467,7 +43453,7 @@
         </p:nvSpPr>
         <p:spPr>
           <a:xfrm>
-            <a:off x="9662371" y="2375371"/>
+            <a:off x="9772038" y="4252588"/>
             <a:ext cx="2212403" cy="902950"/>
           </a:xfrm>
           <a:prstGeom prst="roundRect">
@@ -42516,9 +43502,7 @@
                 <a:effectLst/>
                 <a:uLnTx/>
                 <a:uFillTx/>
-                <a:latin typeface="Times New Roman"/>
-                <a:ea typeface="標楷體" panose="03000509000000000000" pitchFamily="65" charset="-120"/>
-                <a:cs typeface="+mn-cs"/>
+                <a:latin typeface="+mn-ea"/>
               </a:rPr>
               <a:t>內六角螺絲 </a:t>
             </a:r>
@@ -42533,9 +43517,7 @@
                 <a:effectLst/>
                 <a:uLnTx/>
                 <a:uFillTx/>
-                <a:latin typeface="Times New Roman"/>
-                <a:ea typeface="標楷體" panose="03000509000000000000" pitchFamily="65" charset="-120"/>
-                <a:cs typeface="+mn-cs"/>
+                <a:latin typeface="+mn-ea"/>
               </a:rPr>
               <a:t>x</a:t>
             </a:r>
@@ -42550,9 +43532,7 @@
                 <a:effectLst/>
                 <a:uLnTx/>
                 <a:uFillTx/>
-                <a:latin typeface="Times New Roman"/>
-                <a:ea typeface="標楷體" panose="03000509000000000000" pitchFamily="65" charset="-120"/>
-                <a:cs typeface="+mn-cs"/>
+                <a:latin typeface="+mn-ea"/>
               </a:rPr>
               <a:t> </a:t>
             </a:r>
@@ -42567,9 +43547,7 @@
                 <a:effectLst/>
                 <a:uLnTx/>
                 <a:uFillTx/>
-                <a:latin typeface="Times New Roman"/>
-                <a:ea typeface="標楷體" panose="03000509000000000000" pitchFamily="65" charset="-120"/>
-                <a:cs typeface="+mn-cs"/>
+                <a:latin typeface="+mn-ea"/>
               </a:rPr>
               <a:t>4</a:t>
             </a:r>
@@ -42597,8 +43575,7 @@
                 <a:solidFill>
                   <a:schemeClr val="bg1"/>
                 </a:solidFill>
-                <a:latin typeface="Times New Roman"/>
-                <a:ea typeface="標楷體" panose="03000509000000000000" pitchFamily="65" charset="-120"/>
+                <a:latin typeface="+mn-ea"/>
               </a:rPr>
               <a:t>(</a:t>
             </a:r>
@@ -42607,8 +43584,7 @@
                 <a:solidFill>
                   <a:schemeClr val="bg1"/>
                 </a:solidFill>
-                <a:latin typeface="Times New Roman"/>
-                <a:ea typeface="標楷體" panose="03000509000000000000" pitchFamily="65" charset="-120"/>
+                <a:latin typeface="+mn-ea"/>
               </a:rPr>
               <a:t>粗短螺絲</a:t>
             </a:r>
@@ -42617,8 +43593,7 @@
                 <a:solidFill>
                   <a:schemeClr val="bg1"/>
                 </a:solidFill>
-                <a:latin typeface="Times New Roman"/>
-                <a:ea typeface="標楷體" panose="03000509000000000000" pitchFamily="65" charset="-120"/>
+                <a:latin typeface="+mn-ea"/>
               </a:rPr>
               <a:t>)</a:t>
             </a:r>
@@ -42632,9 +43607,7 @@
               <a:effectLst/>
               <a:uLnTx/>
               <a:uFillTx/>
-              <a:latin typeface="Times New Roman"/>
-              <a:ea typeface="標楷體" panose="03000509000000000000" pitchFamily="65" charset="-120"/>
-              <a:cs typeface="+mn-cs"/>
+              <a:latin typeface="+mn-ea"/>
             </a:endParaRPr>
           </a:p>
         </p:txBody>
@@ -42653,8 +43626,84 @@
         </p:nvSpPr>
         <p:spPr>
           <a:xfrm>
-            <a:off x="6667881" y="3251214"/>
-            <a:ext cx="1709844" cy="432000"/>
+            <a:off x="6658049" y="3251214"/>
+            <a:ext cx="2633432" cy="432000"/>
+          </a:xfrm>
+          <a:prstGeom prst="roundRect">
+            <a:avLst/>
+          </a:prstGeom>
+          <a:noFill/>
+          <a:ln w="25400" cap="flat" cmpd="sng" algn="ctr">
+            <a:noFill/>
+            <a:prstDash val="solid"/>
+          </a:ln>
+          <a:effectLst/>
+        </p:spPr>
+        <p:txBody>
+          <a:bodyPr lIns="64291" tIns="32146" rIns="64291" bIns="32146" rtlCol="0" anchor="ctr"/>
+          <a:lstStyle/>
+          <a:p>
+            <a:pPr marL="0" marR="0" lvl="0" indent="0" algn="ctr" defTabSz="914400" eaLnBrk="1" fontAlgn="base" latinLnBrk="0" hangingPunct="1">
+              <a:lnSpc>
+                <a:spcPct val="100000"/>
+              </a:lnSpc>
+              <a:spcBef>
+                <a:spcPct val="0"/>
+              </a:spcBef>
+              <a:spcAft>
+                <a:spcPct val="0"/>
+              </a:spcAft>
+              <a:buClrTx/>
+              <a:buSzTx/>
+              <a:buFontTx/>
+              <a:buNone/>
+              <a:tabLst/>
+              <a:defRPr/>
+            </a:pPr>
+            <a:r>
+              <a:rPr kumimoji="1" lang="zh-TW" altLang="en-US" sz="2400" kern="0" dirty="0">
+                <a:solidFill>
+                  <a:schemeClr val="bg1"/>
+                </a:solidFill>
+                <a:latin typeface="+mn-ea"/>
+              </a:rPr>
+              <a:t>組裝</a:t>
+            </a:r>
+            <a:r>
+              <a:rPr kumimoji="1" lang="zh-TW" altLang="en-US" sz="2400" b="0" i="0" u="none" strike="noStrike" kern="0" cap="none" spc="0" normalizeH="0" baseline="0" noProof="0" dirty="0">
+                <a:ln>
+                  <a:noFill/>
+                </a:ln>
+                <a:solidFill>
+                  <a:schemeClr val="bg1"/>
+                </a:solidFill>
+                <a:effectLst/>
+                <a:uLnTx/>
+                <a:uFillTx/>
+                <a:latin typeface="+mn-ea"/>
+                <a:cs typeface="+mn-cs"/>
+              </a:rPr>
+              <a:t>主控板及電池</a:t>
+            </a:r>
+          </a:p>
+        </p:txBody>
+      </p:sp>
+      <p:sp>
+        <p:nvSpPr>
+          <p:cNvPr id="31" name="圓角矩形 4">
+            <a:extLst>
+              <a:ext uri="{FF2B5EF4-FFF2-40B4-BE49-F238E27FC236}">
+                <a16:creationId xmlns:a16="http://schemas.microsoft.com/office/drawing/2014/main" id="{CA59879C-3C01-44D4-BCCF-D67D077B41D9}"/>
+              </a:ext>
+            </a:extLst>
+          </p:cNvPr>
+          <p:cNvSpPr/>
+          <p:nvPr/>
+        </p:nvSpPr>
+        <p:spPr>
+          <a:xfrm>
+            <a:off x="6537323" y="3834348"/>
+            <a:ext cx="1948945" cy="432000"/>
           </a:xfrm>
           <a:prstGeom prst="roundRect">
             <a:avLst/>
@@ -42698,56 +43747,97 @@
                 <a:effectLst/>
                 <a:uLnTx/>
                 <a:uFillTx/>
-                <a:latin typeface="Times New Roman"/>
-                <a:ea typeface="標楷體" panose="03000509000000000000" pitchFamily="65" charset="-120"/>
+                <a:latin typeface="+mn-ea"/>
                 <a:cs typeface="+mn-cs"/>
               </a:rPr>
-              <a:t>安裝主控板</a:t>
+              <a:t>安裝</a:t>
             </a:r>
+            <a:r>
+              <a:rPr kumimoji="1" lang="zh-TW" altLang="en-US" sz="2400" kern="0" dirty="0">
+                <a:solidFill>
+                  <a:schemeClr val="bg1"/>
+                </a:solidFill>
+                <a:latin typeface="+mn-ea"/>
+              </a:rPr>
+              <a:t>主控板</a:t>
+            </a:r>
+            <a:endParaRPr kumimoji="1" lang="zh-TW" altLang="en-US" sz="2400" b="0" i="0" u="none" strike="noStrike" kern="0" cap="none" spc="0" normalizeH="0" baseline="0" noProof="0" dirty="0">
+              <a:ln>
+                <a:noFill/>
+              </a:ln>
+              <a:solidFill>
+                <a:schemeClr val="bg1"/>
+              </a:solidFill>
+              <a:effectLst/>
+              <a:uLnTx/>
+              <a:uFillTx/>
+              <a:latin typeface="+mn-ea"/>
+              <a:cs typeface="+mn-cs"/>
+            </a:endParaRPr>
           </a:p>
         </p:txBody>
       </p:sp>
       <p:pic>
         <p:nvPicPr>
-          <p:cNvPr id="30" name="圖片 29">
+          <p:cNvPr id="32" name="Picture 4">
             <a:extLst>
               <a:ext uri="{FF2B5EF4-FFF2-40B4-BE49-F238E27FC236}">
-                <a16:creationId xmlns:a16="http://schemas.microsoft.com/office/drawing/2014/main" id="{050DBE24-DCE0-4BA9-B307-401D00B5D3E5}"/>
+                <a16:creationId xmlns:a16="http://schemas.microsoft.com/office/drawing/2014/main" id="{7E7F4E13-9314-4AD2-9655-13B4C5C09D0E}"/>
               </a:ext>
             </a:extLst>
           </p:cNvPr>
           <p:cNvPicPr>
-            <a:picLocks noChangeAspect="1"/>
+            <a:picLocks noChangeAspect="1" noChangeArrowheads="1"/>
           </p:cNvPicPr>
           <p:nvPr/>
         </p:nvPicPr>
         <p:blipFill>
-          <a:blip r:embed="rId6"/>
+          <a:blip r:embed="rId6">
+            <a:extLst>
+              <a:ext uri="{28A0092B-C50C-407E-A947-70E740481C1C}">
+                <a14:useLocalDpi xmlns:a14="http://schemas.microsoft.com/office/drawing/2010/main" val="0"/>
+              </a:ext>
+            </a:extLst>
+          </a:blip>
+          <a:srcRect/>
           <a:stretch>
             <a:fillRect/>
           </a:stretch>
         </p:blipFill>
-        <p:spPr>
+        <p:spPr bwMode="auto">
           <a:xfrm>
-            <a:off x="6823705" y="4315675"/>
-            <a:ext cx="3296849" cy="2402233"/>
+            <a:off x="2503208" y="4267496"/>
+            <a:ext cx="2931050" cy="2390363"/>
           </a:xfrm>
           <a:prstGeom prst="rect">
             <a:avLst/>
           </a:prstGeom>
-          <a:ln>
+          <a:noFill/>
+          <a:ln w="9525">
             <a:solidFill>
-              <a:schemeClr val="bg1"/>
+              <a:schemeClr val="tx1"/>
             </a:solidFill>
+            <a:miter lim="800000"/>
+            <a:headEnd/>
+            <a:tailEnd/>
           </a:ln>
+          <a:extLst>
+            <a:ext uri="{909E8E84-426E-40DD-AFC4-6F175D3DCCD1}">
+              <a14:hiddenFill xmlns:a14="http://schemas.microsoft.com/office/drawing/2010/main">
+                <a:solidFill>
+                  <a:schemeClr val="accent1"/>
+                </a:solidFill>
+              </a14:hiddenFill>
+            </a:ext>
+          </a:extLst>
         </p:spPr>
       </p:pic>
       <p:sp>
         <p:nvSpPr>
-          <p:cNvPr id="31" name="圓角矩形 4">
+          <p:cNvPr id="33" name="圓角矩形 4">
             <a:extLst>
               <a:ext uri="{FF2B5EF4-FFF2-40B4-BE49-F238E27FC236}">
-                <a16:creationId xmlns:a16="http://schemas.microsoft.com/office/drawing/2014/main" id="{CA59879C-3C01-44D4-BCCF-D67D077B41D9}"/>
+                <a16:creationId xmlns:a16="http://schemas.microsoft.com/office/drawing/2014/main" id="{532330E9-DFE9-489F-BF86-D7BB9F54DB04}"/>
               </a:ext>
             </a:extLst>
           </p:cNvPr>
@@ -42756,8 +43846,8 @@
         </p:nvSpPr>
         <p:spPr>
           <a:xfrm>
-            <a:off x="6645021" y="3834571"/>
-            <a:ext cx="2388993" cy="432000"/>
+            <a:off x="2231922" y="3821101"/>
+            <a:ext cx="3449801" cy="497527"/>
           </a:xfrm>
           <a:prstGeom prst="roundRect">
             <a:avLst/>
@@ -42801,11 +43891,10 @@
                 <a:effectLst/>
                 <a:uLnTx/>
                 <a:uFillTx/>
-                <a:latin typeface="Times New Roman"/>
-                <a:ea typeface="標楷體" panose="03000509000000000000" pitchFamily="65" charset="-120"/>
+                <a:latin typeface="+mn-ea"/>
                 <a:cs typeface="+mn-cs"/>
               </a:rPr>
-              <a:t>安裝</a:t>
+              <a:t>安裝馬達</a:t>
             </a:r>
             <a:r>
               <a:rPr kumimoji="1" lang="en-US" altLang="zh-TW" sz="2400" b="0" i="0" u="none" strike="noStrike" kern="0" cap="none" spc="0" normalizeH="0" baseline="0" noProof="0" dirty="0">
@@ -42818,11 +43907,10 @@
                 <a:effectLst/>
                 <a:uLnTx/>
                 <a:uFillTx/>
-                <a:latin typeface="Times New Roman"/>
-                <a:ea typeface="標楷體" panose="03000509000000000000" pitchFamily="65" charset="-120"/>
+                <a:latin typeface="+mn-ea"/>
                 <a:cs typeface="+mn-cs"/>
               </a:rPr>
-              <a:t>RJ25</a:t>
+              <a:t>&amp;RJ25</a:t>
             </a:r>
             <a:r>
               <a:rPr kumimoji="1" lang="zh-TW" altLang="en-US" sz="2400" b="0" i="0" u="none" strike="noStrike" kern="0" cap="none" spc="0" normalizeH="0" baseline="0" noProof="0" dirty="0">
@@ -42835,134 +43923,10 @@
                 <a:effectLst/>
                 <a:uLnTx/>
                 <a:uFillTx/>
-                <a:latin typeface="Times New Roman"/>
-                <a:ea typeface="標楷體" panose="03000509000000000000" pitchFamily="65" charset="-120"/>
+                <a:latin typeface="+mn-ea"/>
                 <a:cs typeface="+mn-cs"/>
               </a:rPr>
               <a:t>連接線</a:t>
-            </a:r>
-          </a:p>
-        </p:txBody>
-      </p:sp>
-      <p:pic>
-        <p:nvPicPr>
-          <p:cNvPr id="32" name="Picture 4">
-            <a:extLst>
-              <a:ext uri="{FF2B5EF4-FFF2-40B4-BE49-F238E27FC236}">
-                <a16:creationId xmlns:a16="http://schemas.microsoft.com/office/drawing/2014/main" id="{7E7F4E13-9314-4AD2-9655-13B4C5C09D0E}"/>
-              </a:ext>
-            </a:extLst>
-          </p:cNvPr>
-          <p:cNvPicPr>
-            <a:picLocks noChangeAspect="1" noChangeArrowheads="1"/>
-          </p:cNvPicPr>
-          <p:nvPr/>
-        </p:nvPicPr>
-        <p:blipFill>
-          <a:blip r:embed="rId7">
-            <a:extLst>
-              <a:ext uri="{28A0092B-C50C-407E-A947-70E740481C1C}">
-                <a14:useLocalDpi xmlns:a14="http://schemas.microsoft.com/office/drawing/2010/main" val="0"/>
-              </a:ext>
-            </a:extLst>
-          </a:blip>
-          <a:srcRect/>
-          <a:stretch>
-            <a:fillRect/>
-          </a:stretch>
-        </p:blipFill>
-        <p:spPr bwMode="auto">
-          <a:xfrm>
-            <a:off x="2495227" y="4318628"/>
-            <a:ext cx="2931050" cy="2390363"/>
-          </a:xfrm>
-          <a:prstGeom prst="rect">
-            <a:avLst/>
-          </a:prstGeom>
-          <a:noFill/>
-          <a:ln w="9525">
-            <a:solidFill>
-              <a:schemeClr val="tx1"/>
-            </a:solidFill>
-            <a:miter lim="800000"/>
-            <a:headEnd/>
-            <a:tailEnd/>
-          </a:ln>
-          <a:extLst>
-            <a:ext uri="{909E8E84-426E-40DD-AFC4-6F175D3DCCD1}">
-              <a14:hiddenFill xmlns:a14="http://schemas.microsoft.com/office/drawing/2010/main">
-                <a:solidFill>
-                  <a:schemeClr val="accent1"/>
-                </a:solidFill>
-              </a14:hiddenFill>
-            </a:ext>
-          </a:extLst>
-        </p:spPr>
-      </p:pic>
-      <p:sp>
-        <p:nvSpPr>
-          <p:cNvPr id="33" name="圓角矩形 4">
-            <a:extLst>
-              <a:ext uri="{FF2B5EF4-FFF2-40B4-BE49-F238E27FC236}">
-                <a16:creationId xmlns:a16="http://schemas.microsoft.com/office/drawing/2014/main" id="{532330E9-DFE9-489F-BF86-D7BB9F54DB04}"/>
-              </a:ext>
-            </a:extLst>
-          </p:cNvPr>
-          <p:cNvSpPr/>
-          <p:nvPr/>
-        </p:nvSpPr>
-        <p:spPr>
-          <a:xfrm>
-            <a:off x="3165768" y="3821101"/>
-            <a:ext cx="2515955" cy="497527"/>
-          </a:xfrm>
-          <a:prstGeom prst="roundRect">
-            <a:avLst/>
-          </a:prstGeom>
-          <a:noFill/>
-          <a:ln w="25400" cap="flat" cmpd="sng" algn="ctr">
-            <a:noFill/>
-            <a:prstDash val="solid"/>
-          </a:ln>
-          <a:effectLst/>
-        </p:spPr>
-        <p:txBody>
-          <a:bodyPr lIns="64291" tIns="32146" rIns="64291" bIns="32146" rtlCol="0" anchor="ctr"/>
-          <a:lstStyle/>
-          <a:p>
-            <a:pPr marL="0" marR="0" lvl="0" indent="0" algn="ctr" defTabSz="914400" eaLnBrk="1" fontAlgn="base" latinLnBrk="0" hangingPunct="1">
-              <a:lnSpc>
-                <a:spcPct val="100000"/>
-              </a:lnSpc>
-              <a:spcBef>
-                <a:spcPct val="0"/>
-              </a:spcBef>
-              <a:spcAft>
-                <a:spcPct val="0"/>
-              </a:spcAft>
-              <a:buClrTx/>
-              <a:buSzTx/>
-              <a:buFontTx/>
-              <a:buNone/>
-              <a:tabLst/>
-              <a:defRPr/>
-            </a:pPr>
-            <a:r>
-              <a:rPr kumimoji="1" lang="zh-TW" altLang="en-US" sz="2400" b="0" i="0" u="none" strike="noStrike" kern="0" cap="none" spc="0" normalizeH="0" baseline="0" noProof="0" dirty="0">
-                <a:ln>
-                  <a:noFill/>
-                </a:ln>
-                <a:solidFill>
-                  <a:schemeClr val="bg1"/>
-                </a:solidFill>
-                <a:effectLst/>
-                <a:uLnTx/>
-                <a:uFillTx/>
-                <a:latin typeface="Times New Roman"/>
-                <a:ea typeface="標楷體" panose="03000509000000000000" pitchFamily="65" charset="-120"/>
-                <a:cs typeface="+mn-cs"/>
-              </a:rPr>
-              <a:t>安裝馬達連接線</a:t>
             </a:r>
           </a:p>
         </p:txBody>
@@ -42980,7 +43944,7 @@
           <p:nvPr>
             <p:extLst>
               <p:ext uri="{D42A27DB-BD31-4B8C-83A1-F6EECF244321}">
-                <p14:modId xmlns:p14="http://schemas.microsoft.com/office/powerpoint/2010/main" val="1041328045"/>
+                <p14:modId xmlns:p14="http://schemas.microsoft.com/office/powerpoint/2010/main" val="2719390603"/>
               </p:ext>
             </p:extLst>
           </p:nvPr>
@@ -42991,7 +43955,7 @@
         </p:xfrm>
         <a:graphic>
           <a:graphicData uri="http://schemas.openxmlformats.org/drawingml/2006/diagram">
-            <dgm:relIds xmlns:dgm="http://schemas.openxmlformats.org/drawingml/2006/diagram" xmlns:r="http://schemas.openxmlformats.org/officeDocument/2006/relationships" r:dm="rId8" r:lo="rId9" r:qs="rId10" r:cs="rId11"/>
+            <dgm:relIds xmlns:dgm="http://schemas.openxmlformats.org/drawingml/2006/diagram" xmlns:r="http://schemas.openxmlformats.org/officeDocument/2006/relationships" r:dm="rId7" r:lo="rId8" r:qs="rId9" r:cs="rId10"/>
           </a:graphicData>
         </a:graphic>
       </p:graphicFrame>
@@ -43122,7 +44086,7 @@
             <p:nvPr/>
           </p:nvPicPr>
           <p:blipFill>
-            <a:blip r:embed="rId13"/>
+            <a:blip r:embed="rId12"/>
             <a:stretch>
               <a:fillRect/>
             </a:stretch>
@@ -43207,8 +44171,7 @@
                   <a:effectLst/>
                   <a:uLnTx/>
                   <a:uFillTx/>
-                  <a:latin typeface="Times New Roman"/>
-                  <a:ea typeface="標楷體" panose="03000509000000000000" pitchFamily="65" charset="-120"/>
+                  <a:latin typeface="+mn-ea"/>
                   <a:cs typeface="+mn-cs"/>
                 </a:rPr>
                 <a:t>超音波</a:t>
@@ -43223,8 +44186,7 @@
                 <a:effectLst/>
                 <a:uLnTx/>
                 <a:uFillTx/>
-                <a:latin typeface="Times New Roman"/>
-                <a:ea typeface="標楷體" panose="03000509000000000000" pitchFamily="65" charset="-120"/>
+                <a:latin typeface="+mn-ea"/>
                 <a:cs typeface="+mn-cs"/>
               </a:endParaRPr>
             </a:p>
@@ -43295,8 +44257,7 @@
                   <a:effectLst/>
                   <a:uLnTx/>
                   <a:uFillTx/>
-                  <a:latin typeface="Times New Roman"/>
-                  <a:ea typeface="標楷體" panose="03000509000000000000" pitchFamily="65" charset="-120"/>
+                  <a:latin typeface="+mn-ea"/>
                   <a:cs typeface="+mn-cs"/>
                 </a:rPr>
                 <a:t>循跡</a:t>
@@ -43311,8 +44272,7 @@
                 <a:effectLst/>
                 <a:uLnTx/>
                 <a:uFillTx/>
-                <a:latin typeface="Times New Roman"/>
-                <a:ea typeface="標楷體" panose="03000509000000000000" pitchFamily="65" charset="-120"/>
+                <a:latin typeface="+mn-ea"/>
                 <a:cs typeface="+mn-cs"/>
               </a:endParaRPr>
             </a:p>
@@ -43383,8 +44343,7 @@
                   <a:effectLst/>
                   <a:uLnTx/>
                   <a:uFillTx/>
-                  <a:latin typeface="Times New Roman"/>
-                  <a:ea typeface="標楷體" panose="03000509000000000000" pitchFamily="65" charset="-120"/>
+                  <a:latin typeface="+mn-ea"/>
                   <a:cs typeface="+mn-cs"/>
                 </a:rPr>
                 <a:t>馬達</a:t>
@@ -43399,8 +44358,7 @@
                 <a:effectLst/>
                 <a:uLnTx/>
                 <a:uFillTx/>
-                <a:latin typeface="Times New Roman"/>
-                <a:ea typeface="標楷體" panose="03000509000000000000" pitchFamily="65" charset="-120"/>
+                <a:latin typeface="+mn-ea"/>
                 <a:cs typeface="+mn-cs"/>
               </a:endParaRPr>
             </a:p>
@@ -43421,8 +44379,8 @@
         </p:nvSpPr>
         <p:spPr>
           <a:xfrm>
-            <a:off x="602294" y="2751375"/>
-            <a:ext cx="1798386" cy="499839"/>
+            <a:off x="390875" y="2751375"/>
+            <a:ext cx="2104351" cy="499839"/>
           </a:xfrm>
           <a:prstGeom prst="roundRect">
             <a:avLst>
@@ -43442,7 +44400,7 @@
           <a:bodyPr lIns="64291" tIns="32146" rIns="64291" bIns="32146" rtlCol="0" anchor="ctr"/>
           <a:lstStyle/>
           <a:p>
-            <a:pPr marL="0" marR="0" lvl="0" indent="0" defTabSz="914400" eaLnBrk="1" fontAlgn="base" latinLnBrk="0" hangingPunct="1">
+            <a:pPr marL="0" marR="0" lvl="0" indent="0" algn="ctr" defTabSz="914400" eaLnBrk="1" fontAlgn="base" latinLnBrk="0" hangingPunct="1">
               <a:lnSpc>
                 <a:spcPct val="100000"/>
               </a:lnSpc>
@@ -43460,7 +44418,7 @@
               <a:defRPr/>
             </a:pPr>
             <a:r>
-              <a:rPr kumimoji="1" lang="en-US" altLang="zh-TW" sz="2400" b="0" i="0" u="none" strike="noStrike" kern="0" cap="none" spc="0" normalizeH="0" baseline="0" noProof="0" dirty="0">
+              <a:rPr kumimoji="1" lang="en-US" altLang="zh-TW" sz="2400" i="0" u="none" strike="noStrike" kern="0" cap="none" spc="0" normalizeH="0" baseline="0" noProof="0" dirty="0">
                 <a:ln>
                   <a:noFill/>
                 </a:ln>
@@ -43470,14 +44428,13 @@
                 <a:effectLst/>
                 <a:uLnTx/>
                 <a:uFillTx/>
-                <a:latin typeface="Times New Roman"/>
-                <a:ea typeface="標楷體" panose="03000509000000000000" pitchFamily="65" charset="-120"/>
+                <a:latin typeface="+mn-ea"/>
                 <a:cs typeface="+mn-cs"/>
               </a:rPr>
               <a:t>RJ25</a:t>
             </a:r>
             <a:r>
-              <a:rPr kumimoji="1" lang="zh-TW" altLang="en-US" sz="2400" b="0" i="0" u="none" strike="noStrike" kern="0" cap="none" spc="0" normalizeH="0" baseline="0" noProof="0" dirty="0">
+              <a:rPr kumimoji="1" lang="zh-TW" altLang="en-US" sz="2400" i="0" u="none" strike="noStrike" kern="0" cap="none" spc="0" normalizeH="0" baseline="0" noProof="0" dirty="0">
                 <a:ln>
                   <a:noFill/>
                 </a:ln>
@@ -43487,14 +44444,13 @@
                 <a:effectLst/>
                 <a:uLnTx/>
                 <a:uFillTx/>
-                <a:latin typeface="Times New Roman"/>
-                <a:ea typeface="標楷體" panose="03000509000000000000" pitchFamily="65" charset="-120"/>
+                <a:latin typeface="+mn-ea"/>
                 <a:cs typeface="+mn-cs"/>
               </a:rPr>
-              <a:t>電線</a:t>
+              <a:t>電線 </a:t>
             </a:r>
             <a:r>
-              <a:rPr kumimoji="1" lang="en-US" altLang="zh-TW" sz="2400" b="0" i="0" u="none" strike="noStrike" kern="0" cap="none" spc="0" normalizeH="0" baseline="0" noProof="0" dirty="0">
+              <a:rPr kumimoji="1" lang="en-US" altLang="zh-TW" sz="2400" i="0" u="none" strike="noStrike" kern="0" cap="none" spc="0" normalizeH="0" baseline="0" noProof="0" dirty="0">
                 <a:ln>
                   <a:noFill/>
                 </a:ln>
@@ -43504,11 +44460,42 @@
                 <a:effectLst/>
                 <a:uLnTx/>
                 <a:uFillTx/>
-                <a:latin typeface="Times New Roman"/>
-                <a:ea typeface="標楷體" panose="03000509000000000000" pitchFamily="65" charset="-120"/>
+                <a:latin typeface="+mn-ea"/>
                 <a:cs typeface="+mn-cs"/>
               </a:rPr>
-              <a:t>x2</a:t>
+              <a:t>x</a:t>
+            </a:r>
+            <a:r>
+              <a:rPr kumimoji="1" lang="zh-TW" altLang="en-US" sz="2400" i="0" u="none" strike="noStrike" kern="0" cap="none" spc="0" normalizeH="0" baseline="0" noProof="0" dirty="0">
+                <a:ln>
+                  <a:noFill/>
+                </a:ln>
+                <a:solidFill>
+                  <a:schemeClr val="bg1"/>
+                </a:solidFill>
+                <a:effectLst/>
+                <a:uLnTx/>
+                <a:uFillTx/>
+                <a:latin typeface="+mn-ea"/>
+                <a:cs typeface="+mn-cs"/>
+              </a:rPr>
+              <a:t> </a:t>
+            </a:r>
+            <a:r>
+              <a:rPr kumimoji="1" lang="en-US" altLang="zh-TW" sz="2400" i="0" u="none" strike="noStrike" kern="0" cap="none" spc="0" normalizeH="0" baseline="0" noProof="0" dirty="0">
+                <a:ln>
+                  <a:noFill/>
+                </a:ln>
+                <a:solidFill>
+                  <a:schemeClr val="bg1"/>
+                </a:solidFill>
+                <a:effectLst/>
+                <a:uLnTx/>
+                <a:uFillTx/>
+                <a:latin typeface="+mn-ea"/>
+                <a:cs typeface="+mn-cs"/>
+              </a:rPr>
+              <a:t>2</a:t>
             </a:r>
           </a:p>
         </p:txBody>
@@ -43572,11 +44559,210 @@
                 <a:effectLst/>
                 <a:uLnTx/>
                 <a:uFillTx/>
-                <a:latin typeface="Times New Roman"/>
-                <a:ea typeface="標楷體" panose="03000509000000000000" pitchFamily="65" charset="-120"/>
+                <a:latin typeface="+mn-ea"/>
                 <a:cs typeface="+mn-cs"/>
               </a:rPr>
               <a:t>連接電線</a:t>
+            </a:r>
+          </a:p>
+        </p:txBody>
+      </p:sp>
+      <p:pic>
+        <p:nvPicPr>
+          <p:cNvPr id="34" name="圖片 33">
+            <a:extLst>
+              <a:ext uri="{FF2B5EF4-FFF2-40B4-BE49-F238E27FC236}">
+                <a16:creationId xmlns:a16="http://schemas.microsoft.com/office/drawing/2014/main" id="{76354C19-94DC-4963-A8C4-C497BE04AD7C}"/>
+              </a:ext>
+            </a:extLst>
+          </p:cNvPr>
+          <p:cNvPicPr>
+            <a:picLocks noChangeAspect="1"/>
+          </p:cNvPicPr>
+          <p:nvPr/>
+        </p:nvPicPr>
+        <p:blipFill>
+          <a:blip r:embed="rId13"/>
+          <a:stretch>
+            <a:fillRect/>
+          </a:stretch>
+        </p:blipFill>
+        <p:spPr>
+          <a:xfrm>
+            <a:off x="6753068" y="1313779"/>
+            <a:ext cx="2718973" cy="1944874"/>
+          </a:xfrm>
+          <a:prstGeom prst="rect">
+            <a:avLst/>
+          </a:prstGeom>
+        </p:spPr>
+      </p:pic>
+      <p:sp>
+        <p:nvSpPr>
+          <p:cNvPr id="35" name="圓角矩形 4">
+            <a:extLst>
+              <a:ext uri="{FF2B5EF4-FFF2-40B4-BE49-F238E27FC236}">
+                <a16:creationId xmlns:a16="http://schemas.microsoft.com/office/drawing/2014/main" id="{95103A2C-F0CA-4B36-AB5D-9240A3797734}"/>
+              </a:ext>
+            </a:extLst>
+          </p:cNvPr>
+          <p:cNvSpPr/>
+          <p:nvPr/>
+        </p:nvSpPr>
+        <p:spPr>
+          <a:xfrm>
+            <a:off x="9772038" y="2327884"/>
+            <a:ext cx="2080588" cy="923330"/>
+          </a:xfrm>
+          <a:prstGeom prst="roundRect">
+            <a:avLst>
+              <a:gd name="adj" fmla="val 5754"/>
+            </a:avLst>
+          </a:prstGeom>
+          <a:noFill/>
+          <a:ln w="25400" cap="flat" cmpd="sng" algn="ctr">
+            <a:solidFill>
+              <a:schemeClr val="bg1"/>
+            </a:solidFill>
+            <a:prstDash val="solid"/>
+          </a:ln>
+          <a:effectLst/>
+        </p:spPr>
+        <p:txBody>
+          <a:bodyPr lIns="64291" tIns="32146" rIns="64291" bIns="32146" rtlCol="0" anchor="ctr"/>
+          <a:lstStyle/>
+          <a:p>
+            <a:pPr marL="0" marR="0" lvl="0" indent="0" algn="ctr" defTabSz="914400" eaLnBrk="1" fontAlgn="base" latinLnBrk="0" hangingPunct="1">
+              <a:lnSpc>
+                <a:spcPct val="100000"/>
+              </a:lnSpc>
+              <a:spcBef>
+                <a:spcPct val="0"/>
+              </a:spcBef>
+              <a:spcAft>
+                <a:spcPct val="0"/>
+              </a:spcAft>
+              <a:buClrTx/>
+              <a:buSzTx/>
+              <a:buFontTx/>
+              <a:buNone/>
+              <a:tabLst/>
+              <a:defRPr/>
+            </a:pPr>
+            <a:r>
+              <a:rPr kumimoji="1" lang="zh-TW" altLang="en-US" sz="2800" b="0" i="0" u="none" strike="noStrike" kern="0" cap="none" spc="0" normalizeH="0" baseline="0" noProof="0" dirty="0">
+                <a:ln>
+                  <a:noFill/>
+                </a:ln>
+                <a:solidFill>
+                  <a:schemeClr val="bg1"/>
+                </a:solidFill>
+                <a:effectLst/>
+                <a:uLnTx/>
+                <a:uFillTx/>
+                <a:latin typeface="+mn-ea"/>
+                <a:cs typeface="+mn-cs"/>
+              </a:rPr>
+              <a:t>電池盒 </a:t>
+            </a:r>
+            <a:r>
+              <a:rPr kumimoji="1" lang="en-US" altLang="zh-TW" sz="2800" b="0" i="0" u="none" strike="noStrike" kern="0" cap="none" spc="0" normalizeH="0" baseline="0" noProof="0" dirty="0">
+                <a:ln>
+                  <a:noFill/>
+                </a:ln>
+                <a:solidFill>
+                  <a:schemeClr val="bg1"/>
+                </a:solidFill>
+                <a:effectLst/>
+                <a:uLnTx/>
+                <a:uFillTx/>
+                <a:latin typeface="+mn-ea"/>
+                <a:cs typeface="+mn-cs"/>
+              </a:rPr>
+              <a:t>x</a:t>
+            </a:r>
+            <a:r>
+              <a:rPr kumimoji="1" lang="zh-TW" altLang="en-US" sz="2800" b="0" i="0" u="none" strike="noStrike" kern="0" cap="none" spc="0" normalizeH="0" baseline="0" noProof="0" dirty="0">
+                <a:ln>
+                  <a:noFill/>
+                </a:ln>
+                <a:solidFill>
+                  <a:schemeClr val="bg1"/>
+                </a:solidFill>
+                <a:effectLst/>
+                <a:uLnTx/>
+                <a:uFillTx/>
+                <a:latin typeface="+mn-ea"/>
+                <a:cs typeface="+mn-cs"/>
+              </a:rPr>
+              <a:t> </a:t>
+            </a:r>
+            <a:r>
+              <a:rPr kumimoji="1" lang="en-US" altLang="zh-TW" sz="2800" b="0" i="0" u="none" strike="noStrike" kern="0" cap="none" spc="0" normalizeH="0" baseline="0" noProof="0" dirty="0">
+                <a:ln>
+                  <a:noFill/>
+                </a:ln>
+                <a:solidFill>
+                  <a:schemeClr val="bg1"/>
+                </a:solidFill>
+                <a:effectLst/>
+                <a:uLnTx/>
+                <a:uFillTx/>
+                <a:latin typeface="+mn-ea"/>
+                <a:cs typeface="+mn-cs"/>
+              </a:rPr>
+              <a:t>1</a:t>
+            </a:r>
+          </a:p>
+          <a:p>
+            <a:pPr marL="0" marR="0" lvl="0" indent="0" algn="ctr" defTabSz="914400" eaLnBrk="1" fontAlgn="base" latinLnBrk="0" hangingPunct="1">
+              <a:lnSpc>
+                <a:spcPct val="100000"/>
+              </a:lnSpc>
+              <a:spcBef>
+                <a:spcPct val="0"/>
+              </a:spcBef>
+              <a:spcAft>
+                <a:spcPct val="0"/>
+              </a:spcAft>
+              <a:buClrTx/>
+              <a:buSzTx/>
+              <a:buFontTx/>
+              <a:buNone/>
+              <a:tabLst/>
+              <a:defRPr/>
+            </a:pPr>
+            <a:r>
+              <a:rPr kumimoji="1" lang="zh-TW" altLang="en-US" sz="2800" b="0" i="0" u="none" strike="noStrike" kern="0" cap="none" spc="0" normalizeH="0" baseline="0" noProof="0" dirty="0">
+                <a:ln>
+                  <a:noFill/>
+                </a:ln>
+                <a:solidFill>
+                  <a:schemeClr val="bg1"/>
+                </a:solidFill>
+                <a:effectLst/>
+                <a:uLnTx/>
+                <a:uFillTx/>
+                <a:latin typeface="+mn-ea"/>
+                <a:cs typeface="+mn-cs"/>
+              </a:rPr>
+              <a:t>主控板 </a:t>
+            </a:r>
+            <a:r>
+              <a:rPr kumimoji="1" lang="en-US" altLang="zh-TW" sz="2800" b="0" i="0" u="none" strike="noStrike" kern="0" cap="none" spc="0" normalizeH="0" baseline="0" noProof="0" dirty="0">
+                <a:ln>
+                  <a:noFill/>
+                </a:ln>
+                <a:solidFill>
+                  <a:schemeClr val="bg1"/>
+                </a:solidFill>
+                <a:effectLst/>
+                <a:uLnTx/>
+                <a:uFillTx/>
+                <a:latin typeface="+mn-ea"/>
+                <a:cs typeface="+mn-cs"/>
+              </a:rPr>
+              <a:t>x 1</a:t>
             </a:r>
           </a:p>
         </p:txBody>
@@ -43646,43 +44832,6 @@
               <a:t> wiring</a:t>
             </a:r>
             <a:endParaRPr lang="zh-TW" altLang="en-US" sz="6000" dirty="0"/>
-          </a:p>
-        </p:txBody>
-      </p:sp>
-      <p:sp>
-        <p:nvSpPr>
-          <p:cNvPr id="5" name="內容版面配置區 4">
-            <a:extLst>
-              <a:ext uri="{FF2B5EF4-FFF2-40B4-BE49-F238E27FC236}">
-                <a16:creationId xmlns:a16="http://schemas.microsoft.com/office/drawing/2014/main" id="{A431B4DC-7FF3-4C42-928F-8F2FAA26F988}"/>
-              </a:ext>
-            </a:extLst>
-          </p:cNvPr>
-          <p:cNvSpPr>
-            <a:spLocks noGrp="1"/>
-          </p:cNvSpPr>
-          <p:nvPr>
-            <p:ph idx="1"/>
-          </p:nvPr>
-        </p:nvSpPr>
-        <p:spPr>
-          <a:xfrm>
-            <a:off x="488382" y="1825625"/>
-            <a:ext cx="11215235" cy="4351338"/>
-          </a:xfrm>
-        </p:spPr>
-        <p:txBody>
-          <a:bodyPr>
-            <a:normAutofit/>
-          </a:bodyPr>
-          <a:lstStyle/>
-          <a:p>
-            <a:pPr marL="0" indent="0">
-              <a:buNone/>
-            </a:pPr>
-            <a:endParaRPr lang="zh-TW" altLang="en-US" sz="3200" dirty="0">
-              <a:latin typeface="+mj-lt"/>
-            </a:endParaRPr>
           </a:p>
         </p:txBody>
       </p:sp>
@@ -43891,20 +45040,134 @@
           </p:cNvPicPr>
           <p:nvPr/>
         </p:nvPicPr>
+        <p:blipFill rotWithShape="1">
+          <a:blip r:embed="rId5"/>
+          <a:srcRect l="7088" r="6267"/>
+          <a:stretch/>
+        </p:blipFill>
+        <p:spPr>
+          <a:xfrm>
+            <a:off x="444500" y="1609000"/>
+            <a:ext cx="5456102" cy="4254284"/>
+          </a:xfrm>
+          <a:prstGeom prst="rect">
+            <a:avLst/>
+          </a:prstGeom>
+        </p:spPr>
+      </p:pic>
+      <p:pic>
+        <p:nvPicPr>
+          <p:cNvPr id="11" name="Picture 4">
+            <a:extLst>
+              <a:ext uri="{FF2B5EF4-FFF2-40B4-BE49-F238E27FC236}">
+                <a16:creationId xmlns:a16="http://schemas.microsoft.com/office/drawing/2014/main" id="{A9F20FE4-6872-4894-9991-CF0D007AFFCE}"/>
+              </a:ext>
+            </a:extLst>
+          </p:cNvPr>
+          <p:cNvPicPr>
+            <a:picLocks noChangeAspect="1" noChangeArrowheads="1"/>
+          </p:cNvPicPr>
+          <p:nvPr/>
+        </p:nvPicPr>
         <p:blipFill>
-          <a:blip r:embed="rId5"/>
+          <a:blip r:embed="rId6">
+            <a:extLst>
+              <a:ext uri="{28A0092B-C50C-407E-A947-70E740481C1C}">
+                <a14:useLocalDpi xmlns:a14="http://schemas.microsoft.com/office/drawing/2010/main" val="0"/>
+              </a:ext>
+            </a:extLst>
+          </a:blip>
+          <a:srcRect/>
+          <a:stretch>
+            <a:fillRect/>
+          </a:stretch>
+        </p:blipFill>
+        <p:spPr bwMode="auto">
+          <a:xfrm>
+            <a:off x="6487036" y="1609000"/>
+            <a:ext cx="5216581" cy="4254284"/>
+          </a:xfrm>
+          <a:prstGeom prst="rect">
+            <a:avLst/>
+          </a:prstGeom>
+          <a:noFill/>
+          <a:ln w="9525">
+            <a:solidFill>
+              <a:schemeClr val="tx1"/>
+            </a:solidFill>
+            <a:miter lim="800000"/>
+            <a:headEnd/>
+            <a:tailEnd/>
+          </a:ln>
+          <a:extLst>
+            <a:ext uri="{909E8E84-426E-40DD-AFC4-6F175D3DCCD1}">
+              <a14:hiddenFill xmlns:a14="http://schemas.microsoft.com/office/drawing/2010/main">
+                <a:solidFill>
+                  <a:schemeClr val="accent1"/>
+                </a:solidFill>
+              </a14:hiddenFill>
+            </a:ext>
+          </a:extLst>
+        </p:spPr>
+      </p:pic>
+      <p:pic>
+        <p:nvPicPr>
+          <p:cNvPr id="12" name="圖片 11">
+            <a:extLst>
+              <a:ext uri="{FF2B5EF4-FFF2-40B4-BE49-F238E27FC236}">
+                <a16:creationId xmlns:a16="http://schemas.microsoft.com/office/drawing/2014/main" id="{DD2DD77C-1BAF-4C06-94F0-92F7CC47BDA1}"/>
+              </a:ext>
+            </a:extLst>
+          </p:cNvPr>
+          <p:cNvPicPr>
+            <a:picLocks noChangeAspect="1"/>
+          </p:cNvPicPr>
+          <p:nvPr/>
+        </p:nvPicPr>
+        <p:blipFill>
+          <a:blip r:embed="rId7"/>
           <a:stretch>
             <a:fillRect/>
           </a:stretch>
         </p:blipFill>
         <p:spPr>
           <a:xfrm>
-            <a:off x="2674674" y="1466255"/>
-            <a:ext cx="6842651" cy="4622900"/>
+            <a:off x="4580916" y="2575649"/>
+            <a:ext cx="601242" cy="236131"/>
           </a:xfrm>
           <a:prstGeom prst="rect">
             <a:avLst/>
           </a:prstGeom>
+          <a:noFill/>
+        </p:spPr>
+      </p:pic>
+      <p:pic>
+        <p:nvPicPr>
+          <p:cNvPr id="14" name="內容版面配置區 13">
+            <a:extLst>
+              <a:ext uri="{FF2B5EF4-FFF2-40B4-BE49-F238E27FC236}">
+                <a16:creationId xmlns:a16="http://schemas.microsoft.com/office/drawing/2014/main" id="{405D3ACD-2246-49E2-AE03-33F6786B19A3}"/>
+              </a:ext>
+            </a:extLst>
+          </p:cNvPr>
+          <p:cNvPicPr>
+            <a:picLocks noGrp="1" noChangeAspect="1"/>
+          </p:cNvPicPr>
+          <p:nvPr>
+            <p:ph idx="1"/>
+          </p:nvPr>
+        </p:nvPicPr>
+        <p:blipFill>
+          <a:blip r:embed="rId8"/>
+          <a:stretch>
+            <a:fillRect/>
+          </a:stretch>
+        </p:blipFill>
+        <p:spPr>
+          <a:xfrm>
+            <a:off x="4841532" y="2915799"/>
+            <a:ext cx="574383" cy="182896"/>
+          </a:xfrm>
         </p:spPr>
       </p:pic>
     </p:spTree>
